--- a/images/peng-tourr-diagram.pptx
+++ b/images/peng-tourr-diagram.pptx
@@ -6,6 +6,7 @@
   </p:sldMasterIdLst>
   <p:sldIdLst>
     <p:sldId id="256" r:id="rId2"/>
+    <p:sldId id="257" r:id="rId3"/>
   </p:sldIdLst>
   <p:sldSz cx="12192000" cy="6858000"/>
   <p:notesSz cx="6858000" cy="9144000"/>
@@ -104,6 +105,11 @@
       </a:defRPr>
     </a:lvl9pPr>
   </p:defaultTextStyle>
+  <p:extLst>
+    <p:ext uri="{EFAFB233-063F-42B5-8137-9DF3F51BA10A}">
+      <p15:sldGuideLst xmlns:p15="http://schemas.microsoft.com/office/powerpoint/2012/main"/>
+    </p:ext>
+  </p:extLst>
 </p:presentation>
 </file>
 
@@ -256,7 +262,7 @@
           <a:p>
             <a:fld id="{861DD715-3ECE-4CDC-8907-62AF172FB425}" type="datetimeFigureOut">
               <a:rPr lang="en-CA" smtClean="0"/>
-              <a:t>2024-01-31</a:t>
+              <a:t>2024-02-05</a:t>
             </a:fld>
             <a:endParaRPr lang="en-CA"/>
           </a:p>
@@ -456,7 +462,7 @@
           <a:p>
             <a:fld id="{861DD715-3ECE-4CDC-8907-62AF172FB425}" type="datetimeFigureOut">
               <a:rPr lang="en-CA" smtClean="0"/>
-              <a:t>2024-01-31</a:t>
+              <a:t>2024-02-05</a:t>
             </a:fld>
             <a:endParaRPr lang="en-CA"/>
           </a:p>
@@ -666,7 +672,7 @@
           <a:p>
             <a:fld id="{861DD715-3ECE-4CDC-8907-62AF172FB425}" type="datetimeFigureOut">
               <a:rPr lang="en-CA" smtClean="0"/>
-              <a:t>2024-01-31</a:t>
+              <a:t>2024-02-05</a:t>
             </a:fld>
             <a:endParaRPr lang="en-CA"/>
           </a:p>
@@ -866,7 +872,7 @@
           <a:p>
             <a:fld id="{861DD715-3ECE-4CDC-8907-62AF172FB425}" type="datetimeFigureOut">
               <a:rPr lang="en-CA" smtClean="0"/>
-              <a:t>2024-01-31</a:t>
+              <a:t>2024-02-05</a:t>
             </a:fld>
             <a:endParaRPr lang="en-CA"/>
           </a:p>
@@ -1142,7 +1148,7 @@
           <a:p>
             <a:fld id="{861DD715-3ECE-4CDC-8907-62AF172FB425}" type="datetimeFigureOut">
               <a:rPr lang="en-CA" smtClean="0"/>
-              <a:t>2024-01-31</a:t>
+              <a:t>2024-02-05</a:t>
             </a:fld>
             <a:endParaRPr lang="en-CA"/>
           </a:p>
@@ -1410,7 +1416,7 @@
           <a:p>
             <a:fld id="{861DD715-3ECE-4CDC-8907-62AF172FB425}" type="datetimeFigureOut">
               <a:rPr lang="en-CA" smtClean="0"/>
-              <a:t>2024-01-31</a:t>
+              <a:t>2024-02-05</a:t>
             </a:fld>
             <a:endParaRPr lang="en-CA"/>
           </a:p>
@@ -1825,7 +1831,7 @@
           <a:p>
             <a:fld id="{861DD715-3ECE-4CDC-8907-62AF172FB425}" type="datetimeFigureOut">
               <a:rPr lang="en-CA" smtClean="0"/>
-              <a:t>2024-01-31</a:t>
+              <a:t>2024-02-05</a:t>
             </a:fld>
             <a:endParaRPr lang="en-CA"/>
           </a:p>
@@ -1967,7 +1973,7 @@
           <a:p>
             <a:fld id="{861DD715-3ECE-4CDC-8907-62AF172FB425}" type="datetimeFigureOut">
               <a:rPr lang="en-CA" smtClean="0"/>
-              <a:t>2024-01-31</a:t>
+              <a:t>2024-02-05</a:t>
             </a:fld>
             <a:endParaRPr lang="en-CA"/>
           </a:p>
@@ -2080,7 +2086,7 @@
           <a:p>
             <a:fld id="{861DD715-3ECE-4CDC-8907-62AF172FB425}" type="datetimeFigureOut">
               <a:rPr lang="en-CA" smtClean="0"/>
-              <a:t>2024-01-31</a:t>
+              <a:t>2024-02-05</a:t>
             </a:fld>
             <a:endParaRPr lang="en-CA"/>
           </a:p>
@@ -2393,7 +2399,7 @@
           <a:p>
             <a:fld id="{861DD715-3ECE-4CDC-8907-62AF172FB425}" type="datetimeFigureOut">
               <a:rPr lang="en-CA" smtClean="0"/>
-              <a:t>2024-01-31</a:t>
+              <a:t>2024-02-05</a:t>
             </a:fld>
             <a:endParaRPr lang="en-CA"/>
           </a:p>
@@ -2682,7 +2688,7 @@
           <a:p>
             <a:fld id="{861DD715-3ECE-4CDC-8907-62AF172FB425}" type="datetimeFigureOut">
               <a:rPr lang="en-CA" smtClean="0"/>
-              <a:t>2024-01-31</a:t>
+              <a:t>2024-02-05</a:t>
             </a:fld>
             <a:endParaRPr lang="en-CA"/>
           </a:p>
@@ -2925,7 +2931,7 @@
           <a:p>
             <a:fld id="{861DD715-3ECE-4CDC-8907-62AF172FB425}" type="datetimeFigureOut">
               <a:rPr lang="en-CA" smtClean="0"/>
-              <a:t>2024-01-31</a:t>
+              <a:t>2024-02-05</a:t>
             </a:fld>
             <a:endParaRPr lang="en-CA"/>
           </a:p>
@@ -4145,6 +4151,483 @@
 </p:sld>
 </file>
 
+<file path=ppt/slides/slide2.xml><?xml version="1.0" encoding="utf-8"?>
+<p:sld xmlns:a="http://schemas.openxmlformats.org/drawingml/2006/main" xmlns:r="http://schemas.openxmlformats.org/officeDocument/2006/relationships" xmlns:p="http://schemas.openxmlformats.org/presentationml/2006/main">
+  <p:cSld>
+    <p:spTree>
+      <p:nvGrpSpPr>
+        <p:cNvPr id="1" name=""/>
+        <p:cNvGrpSpPr/>
+        <p:nvPr/>
+      </p:nvGrpSpPr>
+      <p:grpSpPr>
+        <a:xfrm>
+          <a:off x="0" y="0"/>
+          <a:ext cx="0" cy="0"/>
+          <a:chOff x="0" y="0"/>
+          <a:chExt cx="0" cy="0"/>
+        </a:xfrm>
+      </p:grpSpPr>
+      <p:cxnSp>
+        <p:nvCxnSpPr>
+          <p:cNvPr id="3" name="Straight Connector 2">
+            <a:extLst>
+              <a:ext uri="{FF2B5EF4-FFF2-40B4-BE49-F238E27FC236}">
+                <a16:creationId xmlns:a16="http://schemas.microsoft.com/office/drawing/2014/main" id="{803FF454-1705-14F6-F434-CC7E509761AE}"/>
+              </a:ext>
+            </a:extLst>
+          </p:cNvPr>
+          <p:cNvCxnSpPr>
+            <a:cxnSpLocks/>
+          </p:cNvCxnSpPr>
+          <p:nvPr/>
+        </p:nvCxnSpPr>
+        <p:spPr>
+          <a:xfrm>
+            <a:off x="1654629" y="1358537"/>
+            <a:ext cx="0" cy="1893482"/>
+          </a:xfrm>
+          <a:prstGeom prst="line">
+            <a:avLst/>
+          </a:prstGeom>
+        </p:spPr>
+        <p:style>
+          <a:lnRef idx="1">
+            <a:schemeClr val="accent1"/>
+          </a:lnRef>
+          <a:fillRef idx="0">
+            <a:schemeClr val="accent1"/>
+          </a:fillRef>
+          <a:effectRef idx="0">
+            <a:schemeClr val="accent1"/>
+          </a:effectRef>
+          <a:fontRef idx="minor">
+            <a:schemeClr val="tx1"/>
+          </a:fontRef>
+        </p:style>
+      </p:cxnSp>
+      <p:cxnSp>
+        <p:nvCxnSpPr>
+          <p:cNvPr id="5" name="Straight Connector 4">
+            <a:extLst>
+              <a:ext uri="{FF2B5EF4-FFF2-40B4-BE49-F238E27FC236}">
+                <a16:creationId xmlns:a16="http://schemas.microsoft.com/office/drawing/2014/main" id="{6AC9CCC0-B89F-1578-9A9A-392CCC04B539}"/>
+              </a:ext>
+            </a:extLst>
+          </p:cNvPr>
+          <p:cNvCxnSpPr>
+            <a:cxnSpLocks/>
+          </p:cNvCxnSpPr>
+          <p:nvPr/>
+        </p:nvCxnSpPr>
+        <p:spPr>
+          <a:xfrm>
+            <a:off x="1496961" y="3091543"/>
+            <a:ext cx="2558845" cy="0"/>
+          </a:xfrm>
+          <a:prstGeom prst="line">
+            <a:avLst/>
+          </a:prstGeom>
+        </p:spPr>
+        <p:style>
+          <a:lnRef idx="1">
+            <a:schemeClr val="accent1"/>
+          </a:lnRef>
+          <a:fillRef idx="0">
+            <a:schemeClr val="accent1"/>
+          </a:fillRef>
+          <a:effectRef idx="0">
+            <a:schemeClr val="accent1"/>
+          </a:effectRef>
+          <a:fontRef idx="minor">
+            <a:schemeClr val="tx1"/>
+          </a:fontRef>
+        </p:style>
+      </p:cxnSp>
+      <p:cxnSp>
+        <p:nvCxnSpPr>
+          <p:cNvPr id="7" name="Straight Arrow Connector 6">
+            <a:extLst>
+              <a:ext uri="{FF2B5EF4-FFF2-40B4-BE49-F238E27FC236}">
+                <a16:creationId xmlns:a16="http://schemas.microsoft.com/office/drawing/2014/main" id="{0555FB03-7CCE-A88A-5779-F0CFF95BE678}"/>
+              </a:ext>
+            </a:extLst>
+          </p:cNvPr>
+          <p:cNvCxnSpPr>
+            <a:cxnSpLocks/>
+          </p:cNvCxnSpPr>
+          <p:nvPr/>
+        </p:nvCxnSpPr>
+        <p:spPr>
+          <a:xfrm flipV="1">
+            <a:off x="1654629" y="1607574"/>
+            <a:ext cx="1449906" cy="1489587"/>
+          </a:xfrm>
+          <a:prstGeom prst="straightConnector1">
+            <a:avLst/>
+          </a:prstGeom>
+          <a:ln w="31750">
+            <a:solidFill>
+              <a:schemeClr val="tx1"/>
+            </a:solidFill>
+            <a:tailEnd type="stealth" w="lg" len="lg"/>
+          </a:ln>
+        </p:spPr>
+        <p:style>
+          <a:lnRef idx="1">
+            <a:schemeClr val="accent1"/>
+          </a:lnRef>
+          <a:fillRef idx="0">
+            <a:schemeClr val="accent1"/>
+          </a:fillRef>
+          <a:effectRef idx="0">
+            <a:schemeClr val="accent1"/>
+          </a:effectRef>
+          <a:fontRef idx="minor">
+            <a:schemeClr val="tx1"/>
+          </a:fontRef>
+        </p:style>
+      </p:cxnSp>
+      <p:cxnSp>
+        <p:nvCxnSpPr>
+          <p:cNvPr id="10" name="Straight Arrow Connector 9">
+            <a:extLst>
+              <a:ext uri="{FF2B5EF4-FFF2-40B4-BE49-F238E27FC236}">
+                <a16:creationId xmlns:a16="http://schemas.microsoft.com/office/drawing/2014/main" id="{EA0AFAE4-95B7-1200-5387-BD4275563E98}"/>
+              </a:ext>
+            </a:extLst>
+          </p:cNvPr>
+          <p:cNvCxnSpPr/>
+          <p:nvPr/>
+        </p:nvCxnSpPr>
+        <p:spPr>
+          <a:xfrm flipV="1">
+            <a:off x="1654629" y="2381865"/>
+            <a:ext cx="2401177" cy="709678"/>
+          </a:xfrm>
+          <a:prstGeom prst="straightConnector1">
+            <a:avLst/>
+          </a:prstGeom>
+          <a:ln w="15875">
+            <a:solidFill>
+              <a:srgbClr val="C00000"/>
+            </a:solidFill>
+            <a:tailEnd type="none"/>
+          </a:ln>
+        </p:spPr>
+        <p:style>
+          <a:lnRef idx="1">
+            <a:schemeClr val="accent1"/>
+          </a:lnRef>
+          <a:fillRef idx="0">
+            <a:schemeClr val="accent1"/>
+          </a:fillRef>
+          <a:effectRef idx="0">
+            <a:schemeClr val="accent1"/>
+          </a:effectRef>
+          <a:fontRef idx="minor">
+            <a:schemeClr val="tx1"/>
+          </a:fontRef>
+        </p:style>
+      </p:cxnSp>
+      <p:cxnSp>
+        <p:nvCxnSpPr>
+          <p:cNvPr id="12" name="Straight Connector 11">
+            <a:extLst>
+              <a:ext uri="{FF2B5EF4-FFF2-40B4-BE49-F238E27FC236}">
+                <a16:creationId xmlns:a16="http://schemas.microsoft.com/office/drawing/2014/main" id="{B30C8AE1-30B9-B774-C5E2-F9458F83835A}"/>
+              </a:ext>
+            </a:extLst>
+          </p:cNvPr>
+          <p:cNvCxnSpPr/>
+          <p:nvPr/>
+        </p:nvCxnSpPr>
+        <p:spPr>
+          <a:xfrm>
+            <a:off x="3104535" y="1607574"/>
+            <a:ext cx="302342" cy="966020"/>
+          </a:xfrm>
+          <a:prstGeom prst="line">
+            <a:avLst/>
+          </a:prstGeom>
+        </p:spPr>
+        <p:style>
+          <a:lnRef idx="1">
+            <a:schemeClr val="accent1"/>
+          </a:lnRef>
+          <a:fillRef idx="0">
+            <a:schemeClr val="accent1"/>
+          </a:fillRef>
+          <a:effectRef idx="0">
+            <a:schemeClr val="accent1"/>
+          </a:effectRef>
+          <a:fontRef idx="minor">
+            <a:schemeClr val="tx1"/>
+          </a:fontRef>
+        </p:style>
+      </p:cxnSp>
+      <p:cxnSp>
+        <p:nvCxnSpPr>
+          <p:cNvPr id="14" name="Straight Arrow Connector 13">
+            <a:extLst>
+              <a:ext uri="{FF2B5EF4-FFF2-40B4-BE49-F238E27FC236}">
+                <a16:creationId xmlns:a16="http://schemas.microsoft.com/office/drawing/2014/main" id="{3DBCA89F-EAAC-F20D-62F1-49B2F90835C1}"/>
+              </a:ext>
+            </a:extLst>
+          </p:cNvPr>
+          <p:cNvCxnSpPr/>
+          <p:nvPr/>
+        </p:nvCxnSpPr>
+        <p:spPr>
+          <a:xfrm flipV="1">
+            <a:off x="1654629" y="2573594"/>
+            <a:ext cx="1752248" cy="517949"/>
+          </a:xfrm>
+          <a:prstGeom prst="straightConnector1">
+            <a:avLst/>
+          </a:prstGeom>
+          <a:ln w="31750">
+            <a:tailEnd type="stealth" w="lg" len="lg"/>
+          </a:ln>
+        </p:spPr>
+        <p:style>
+          <a:lnRef idx="1">
+            <a:schemeClr val="accent1"/>
+          </a:lnRef>
+          <a:fillRef idx="0">
+            <a:schemeClr val="accent1"/>
+          </a:fillRef>
+          <a:effectRef idx="0">
+            <a:schemeClr val="accent1"/>
+          </a:effectRef>
+          <a:fontRef idx="minor">
+            <a:schemeClr val="tx1"/>
+          </a:fontRef>
+        </p:style>
+      </p:cxnSp>
+      <p:sp>
+        <p:nvSpPr>
+          <p:cNvPr id="19" name="TextBox 18">
+            <a:extLst>
+              <a:ext uri="{FF2B5EF4-FFF2-40B4-BE49-F238E27FC236}">
+                <a16:creationId xmlns:a16="http://schemas.microsoft.com/office/drawing/2014/main" id="{4897E115-799E-9E9F-4156-8351E93D2534}"/>
+              </a:ext>
+            </a:extLst>
+          </p:cNvPr>
+          <p:cNvSpPr txBox="1"/>
+          <p:nvPr/>
+        </p:nvSpPr>
+        <p:spPr>
+          <a:xfrm>
+            <a:off x="2927555" y="1298390"/>
+            <a:ext cx="302342" cy="369332"/>
+          </a:xfrm>
+          <a:prstGeom prst="rect">
+            <a:avLst/>
+          </a:prstGeom>
+          <a:noFill/>
+        </p:spPr>
+        <p:txBody>
+          <a:bodyPr wrap="square" rtlCol="0">
+            <a:spAutoFit/>
+          </a:bodyPr>
+          <a:lstStyle/>
+          <a:p>
+            <a:r>
+              <a:rPr lang="en-CA" b="1" i="1" dirty="0">
+                <a:latin typeface="Times New Roman" panose="02020603050405020304" pitchFamily="18" charset="0"/>
+                <a:cs typeface="Times New Roman" panose="02020603050405020304" pitchFamily="18" charset="0"/>
+              </a:rPr>
+              <a:t>x</a:t>
+            </a:r>
+          </a:p>
+        </p:txBody>
+      </p:sp>
+      <p:sp>
+        <p:nvSpPr>
+          <p:cNvPr id="20" name="TextBox 19">
+            <a:extLst>
+              <a:ext uri="{FF2B5EF4-FFF2-40B4-BE49-F238E27FC236}">
+                <a16:creationId xmlns:a16="http://schemas.microsoft.com/office/drawing/2014/main" id="{5F27BE74-67E8-EFA5-AB32-7FB339E6A6E5}"/>
+              </a:ext>
+            </a:extLst>
+          </p:cNvPr>
+          <p:cNvSpPr txBox="1"/>
+          <p:nvPr/>
+        </p:nvSpPr>
+        <p:spPr>
+          <a:xfrm>
+            <a:off x="4004186" y="2144803"/>
+            <a:ext cx="376084" cy="369332"/>
+          </a:xfrm>
+          <a:prstGeom prst="rect">
+            <a:avLst/>
+          </a:prstGeom>
+          <a:noFill/>
+        </p:spPr>
+        <p:txBody>
+          <a:bodyPr wrap="square" rtlCol="0">
+            <a:spAutoFit/>
+          </a:bodyPr>
+          <a:lstStyle/>
+          <a:p>
+            <a:pPr algn="ctr"/>
+            <a:r>
+              <a:rPr lang="en-CA" b="1" i="1" dirty="0">
+                <a:latin typeface="Times New Roman" panose="02020603050405020304" pitchFamily="18" charset="0"/>
+                <a:cs typeface="Times New Roman" panose="02020603050405020304" pitchFamily="18" charset="0"/>
+              </a:rPr>
+              <a:t>p</a:t>
+            </a:r>
+          </a:p>
+        </p:txBody>
+      </p:sp>
+      <p:sp>
+        <p:nvSpPr>
+          <p:cNvPr id="21" name="TextBox 20">
+            <a:extLst>
+              <a:ext uri="{FF2B5EF4-FFF2-40B4-BE49-F238E27FC236}">
+                <a16:creationId xmlns:a16="http://schemas.microsoft.com/office/drawing/2014/main" id="{8A22FFB6-045C-E19C-4628-355DBDC69359}"/>
+              </a:ext>
+            </a:extLst>
+          </p:cNvPr>
+          <p:cNvSpPr txBox="1"/>
+          <p:nvPr/>
+        </p:nvSpPr>
+        <p:spPr>
+          <a:xfrm rot="20640000">
+            <a:off x="2628685" y="2626219"/>
+            <a:ext cx="604685" cy="369332"/>
+          </a:xfrm>
+          <a:prstGeom prst="rect">
+            <a:avLst/>
+          </a:prstGeom>
+          <a:noFill/>
+        </p:spPr>
+        <p:txBody>
+          <a:bodyPr wrap="square" rtlCol="0">
+            <a:spAutoFit/>
+          </a:bodyPr>
+          <a:lstStyle/>
+          <a:p>
+            <a:r>
+              <a:rPr lang="en-CA" b="1" i="1" dirty="0">
+                <a:solidFill>
+                  <a:srgbClr val="0070C0"/>
+                </a:solidFill>
+                <a:latin typeface="Times New Roman" panose="02020603050405020304" pitchFamily="18" charset="0"/>
+                <a:cs typeface="Times New Roman" panose="02020603050405020304" pitchFamily="18" charset="0"/>
+              </a:rPr>
+              <a:t>x’p</a:t>
+            </a:r>
+          </a:p>
+        </p:txBody>
+      </p:sp>
+      <p:sp>
+        <p:nvSpPr>
+          <p:cNvPr id="23" name="TextBox 22">
+            <a:extLst>
+              <a:ext uri="{FF2B5EF4-FFF2-40B4-BE49-F238E27FC236}">
+                <a16:creationId xmlns:a16="http://schemas.microsoft.com/office/drawing/2014/main" id="{6F504290-A04E-3B25-84CE-881F0B8C4097}"/>
+              </a:ext>
+            </a:extLst>
+          </p:cNvPr>
+          <p:cNvSpPr txBox="1"/>
+          <p:nvPr/>
+        </p:nvSpPr>
+        <p:spPr>
+          <a:xfrm>
+            <a:off x="3959938" y="2882687"/>
+            <a:ext cx="457199" cy="369332"/>
+          </a:xfrm>
+          <a:prstGeom prst="rect">
+            <a:avLst/>
+          </a:prstGeom>
+          <a:noFill/>
+        </p:spPr>
+        <p:txBody>
+          <a:bodyPr wrap="square" rtlCol="0">
+            <a:spAutoFit/>
+          </a:bodyPr>
+          <a:lstStyle/>
+          <a:p>
+            <a:pPr algn="ctr"/>
+            <a:r>
+              <a:rPr lang="en-CA" i="1" dirty="0">
+                <a:latin typeface="Times New Roman" panose="02020603050405020304" pitchFamily="18" charset="0"/>
+                <a:cs typeface="Times New Roman" panose="02020603050405020304" pitchFamily="18" charset="0"/>
+              </a:rPr>
+              <a:t>x</a:t>
+            </a:r>
+            <a:r>
+              <a:rPr lang="en-CA" baseline="-25000" dirty="0">
+                <a:latin typeface="Times New Roman" panose="02020603050405020304" pitchFamily="18" charset="0"/>
+                <a:cs typeface="Times New Roman" panose="02020603050405020304" pitchFamily="18" charset="0"/>
+              </a:rPr>
+              <a:t>1</a:t>
+            </a:r>
+          </a:p>
+        </p:txBody>
+      </p:sp>
+      <p:sp>
+        <p:nvSpPr>
+          <p:cNvPr id="24" name="TextBox 23">
+            <a:extLst>
+              <a:ext uri="{FF2B5EF4-FFF2-40B4-BE49-F238E27FC236}">
+                <a16:creationId xmlns:a16="http://schemas.microsoft.com/office/drawing/2014/main" id="{564FC175-25DE-B07E-BB22-6534EABBD1E5}"/>
+              </a:ext>
+            </a:extLst>
+          </p:cNvPr>
+          <p:cNvSpPr txBox="1"/>
+          <p:nvPr/>
+        </p:nvSpPr>
+        <p:spPr>
+          <a:xfrm>
+            <a:off x="1426029" y="1018586"/>
+            <a:ext cx="457199" cy="369332"/>
+          </a:xfrm>
+          <a:prstGeom prst="rect">
+            <a:avLst/>
+          </a:prstGeom>
+          <a:noFill/>
+        </p:spPr>
+        <p:txBody>
+          <a:bodyPr wrap="square" rtlCol="0">
+            <a:spAutoFit/>
+          </a:bodyPr>
+          <a:lstStyle/>
+          <a:p>
+            <a:pPr algn="ctr"/>
+            <a:r>
+              <a:rPr lang="en-CA" i="1" dirty="0">
+                <a:latin typeface="Times New Roman" panose="02020603050405020304" pitchFamily="18" charset="0"/>
+                <a:cs typeface="Times New Roman" panose="02020603050405020304" pitchFamily="18" charset="0"/>
+              </a:rPr>
+              <a:t>x</a:t>
+            </a:r>
+            <a:r>
+              <a:rPr lang="en-CA" baseline="-25000" dirty="0">
+                <a:latin typeface="Times New Roman" panose="02020603050405020304" pitchFamily="18" charset="0"/>
+                <a:cs typeface="Times New Roman" panose="02020603050405020304" pitchFamily="18" charset="0"/>
+              </a:rPr>
+              <a:t>2</a:t>
+            </a:r>
+          </a:p>
+        </p:txBody>
+      </p:sp>
+    </p:spTree>
+    <p:extLst>
+      <p:ext uri="{BB962C8B-B14F-4D97-AF65-F5344CB8AC3E}">
+        <p14:creationId xmlns:p14="http://schemas.microsoft.com/office/powerpoint/2010/main" val="2335369714"/>
+      </p:ext>
+    </p:extLst>
+  </p:cSld>
+  <p:clrMapOvr>
+    <a:masterClrMapping/>
+  </p:clrMapOvr>
+</p:sld>
+</file>
+
 <file path=ppt/theme/theme1.xml><?xml version="1.0" encoding="utf-8"?>
 <a:theme xmlns:a="http://schemas.openxmlformats.org/drawingml/2006/main" name="Office Theme">
   <a:themeElements>

--- a/images/peng-tourr-diagram.pptx
+++ b/images/peng-tourr-diagram.pptx
@@ -7,6 +7,7 @@
   <p:sldIdLst>
     <p:sldId id="256" r:id="rId2"/>
     <p:sldId id="257" r:id="rId3"/>
+    <p:sldId id="258" r:id="rId4"/>
   </p:sldIdLst>
   <p:sldSz cx="12192000" cy="6858000"/>
   <p:notesSz cx="6858000" cy="9144000"/>
@@ -262,7 +263,7 @@
           <a:p>
             <a:fld id="{861DD715-3ECE-4CDC-8907-62AF172FB425}" type="datetimeFigureOut">
               <a:rPr lang="en-CA" smtClean="0"/>
-              <a:t>2024-02-05</a:t>
+              <a:t>2024-02-07</a:t>
             </a:fld>
             <a:endParaRPr lang="en-CA"/>
           </a:p>
@@ -462,7 +463,7 @@
           <a:p>
             <a:fld id="{861DD715-3ECE-4CDC-8907-62AF172FB425}" type="datetimeFigureOut">
               <a:rPr lang="en-CA" smtClean="0"/>
-              <a:t>2024-02-05</a:t>
+              <a:t>2024-02-07</a:t>
             </a:fld>
             <a:endParaRPr lang="en-CA"/>
           </a:p>
@@ -672,7 +673,7 @@
           <a:p>
             <a:fld id="{861DD715-3ECE-4CDC-8907-62AF172FB425}" type="datetimeFigureOut">
               <a:rPr lang="en-CA" smtClean="0"/>
-              <a:t>2024-02-05</a:t>
+              <a:t>2024-02-07</a:t>
             </a:fld>
             <a:endParaRPr lang="en-CA"/>
           </a:p>
@@ -872,7 +873,7 @@
           <a:p>
             <a:fld id="{861DD715-3ECE-4CDC-8907-62AF172FB425}" type="datetimeFigureOut">
               <a:rPr lang="en-CA" smtClean="0"/>
-              <a:t>2024-02-05</a:t>
+              <a:t>2024-02-07</a:t>
             </a:fld>
             <a:endParaRPr lang="en-CA"/>
           </a:p>
@@ -1148,7 +1149,7 @@
           <a:p>
             <a:fld id="{861DD715-3ECE-4CDC-8907-62AF172FB425}" type="datetimeFigureOut">
               <a:rPr lang="en-CA" smtClean="0"/>
-              <a:t>2024-02-05</a:t>
+              <a:t>2024-02-07</a:t>
             </a:fld>
             <a:endParaRPr lang="en-CA"/>
           </a:p>
@@ -1416,7 +1417,7 @@
           <a:p>
             <a:fld id="{861DD715-3ECE-4CDC-8907-62AF172FB425}" type="datetimeFigureOut">
               <a:rPr lang="en-CA" smtClean="0"/>
-              <a:t>2024-02-05</a:t>
+              <a:t>2024-02-07</a:t>
             </a:fld>
             <a:endParaRPr lang="en-CA"/>
           </a:p>
@@ -1831,7 +1832,7 @@
           <a:p>
             <a:fld id="{861DD715-3ECE-4CDC-8907-62AF172FB425}" type="datetimeFigureOut">
               <a:rPr lang="en-CA" smtClean="0"/>
-              <a:t>2024-02-05</a:t>
+              <a:t>2024-02-07</a:t>
             </a:fld>
             <a:endParaRPr lang="en-CA"/>
           </a:p>
@@ -1973,7 +1974,7 @@
           <a:p>
             <a:fld id="{861DD715-3ECE-4CDC-8907-62AF172FB425}" type="datetimeFigureOut">
               <a:rPr lang="en-CA" smtClean="0"/>
-              <a:t>2024-02-05</a:t>
+              <a:t>2024-02-07</a:t>
             </a:fld>
             <a:endParaRPr lang="en-CA"/>
           </a:p>
@@ -2086,7 +2087,7 @@
           <a:p>
             <a:fld id="{861DD715-3ECE-4CDC-8907-62AF172FB425}" type="datetimeFigureOut">
               <a:rPr lang="en-CA" smtClean="0"/>
-              <a:t>2024-02-05</a:t>
+              <a:t>2024-02-07</a:t>
             </a:fld>
             <a:endParaRPr lang="en-CA"/>
           </a:p>
@@ -2399,7 +2400,7 @@
           <a:p>
             <a:fld id="{861DD715-3ECE-4CDC-8907-62AF172FB425}" type="datetimeFigureOut">
               <a:rPr lang="en-CA" smtClean="0"/>
-              <a:t>2024-02-05</a:t>
+              <a:t>2024-02-07</a:t>
             </a:fld>
             <a:endParaRPr lang="en-CA"/>
           </a:p>
@@ -2688,7 +2689,7 @@
           <a:p>
             <a:fld id="{861DD715-3ECE-4CDC-8907-62AF172FB425}" type="datetimeFigureOut">
               <a:rPr lang="en-CA" smtClean="0"/>
-              <a:t>2024-02-05</a:t>
+              <a:t>2024-02-07</a:t>
             </a:fld>
             <a:endParaRPr lang="en-CA"/>
           </a:p>
@@ -2931,7 +2932,7 @@
           <a:p>
             <a:fld id="{861DD715-3ECE-4CDC-8907-62AF172FB425}" type="datetimeFigureOut">
               <a:rPr lang="en-CA" smtClean="0"/>
-              <a:t>2024-02-05</a:t>
+              <a:t>2024-02-07</a:t>
             </a:fld>
             <a:endParaRPr lang="en-CA"/>
           </a:p>
@@ -4496,7 +4497,7 @@
         </p:nvSpPr>
         <p:spPr>
           <a:xfrm rot="20640000">
-            <a:off x="2628685" y="2626219"/>
+            <a:off x="2828992" y="2652346"/>
             <a:ext cx="604685" cy="369332"/>
           </a:xfrm>
           <a:prstGeom prst="rect">
@@ -4518,7 +4519,27 @@
                 <a:latin typeface="Times New Roman" panose="02020603050405020304" pitchFamily="18" charset="0"/>
                 <a:cs typeface="Times New Roman" panose="02020603050405020304" pitchFamily="18" charset="0"/>
               </a:rPr>
-              <a:t>x’p</a:t>
+              <a:t>x</a:t>
+            </a:r>
+            <a:r>
+              <a:rPr lang="en-CA" b="1" i="1" baseline="30000" dirty="0">
+                <a:solidFill>
+                  <a:srgbClr val="0070C0"/>
+                </a:solidFill>
+                <a:latin typeface="Times New Roman" panose="02020603050405020304" pitchFamily="18" charset="0"/>
+                <a:cs typeface="Times New Roman" panose="02020603050405020304" pitchFamily="18" charset="0"/>
+              </a:rPr>
+              <a:t>T</a:t>
+            </a:r>
+            <a:r>
+              <a:rPr lang="en-CA" b="1" i="1" dirty="0">
+                <a:solidFill>
+                  <a:srgbClr val="0070C0"/>
+                </a:solidFill>
+                <a:latin typeface="Times New Roman" panose="02020603050405020304" pitchFamily="18" charset="0"/>
+                <a:cs typeface="Times New Roman" panose="02020603050405020304" pitchFamily="18" charset="0"/>
+              </a:rPr>
+              <a:t>p</a:t>
             </a:r>
           </a:p>
         </p:txBody>
@@ -4619,6 +4640,252 @@
     <p:extLst>
       <p:ext uri="{BB962C8B-B14F-4D97-AF65-F5344CB8AC3E}">
         <p14:creationId xmlns:p14="http://schemas.microsoft.com/office/powerpoint/2010/main" val="2335369714"/>
+      </p:ext>
+    </p:extLst>
+  </p:cSld>
+  <p:clrMapOvr>
+    <a:masterClrMapping/>
+  </p:clrMapOvr>
+</p:sld>
+</file>
+
+<file path=ppt/slides/slide3.xml><?xml version="1.0" encoding="utf-8"?>
+<p:sld xmlns:a="http://schemas.openxmlformats.org/drawingml/2006/main" xmlns:r="http://schemas.openxmlformats.org/officeDocument/2006/relationships" xmlns:p="http://schemas.openxmlformats.org/presentationml/2006/main">
+  <p:cSld>
+    <p:spTree>
+      <p:nvGrpSpPr>
+        <p:cNvPr id="1" name=""/>
+        <p:cNvGrpSpPr/>
+        <p:nvPr/>
+      </p:nvGrpSpPr>
+      <p:grpSpPr>
+        <a:xfrm>
+          <a:off x="0" y="0"/>
+          <a:ext cx="0" cy="0"/>
+          <a:chOff x="0" y="0"/>
+          <a:chExt cx="0" cy="0"/>
+        </a:xfrm>
+      </p:grpSpPr>
+      <p:pic>
+        <p:nvPicPr>
+          <p:cNvPr id="3" name="Picture 2" descr="A diagram of a cube with balls&#10;&#10;Description automatically generated">
+            <a:extLst>
+              <a:ext uri="{FF2B5EF4-FFF2-40B4-BE49-F238E27FC236}">
+                <a16:creationId xmlns:a16="http://schemas.microsoft.com/office/drawing/2014/main" id="{5D76EBC8-8962-6A39-AAE5-B6E833D76D7E}"/>
+              </a:ext>
+            </a:extLst>
+          </p:cNvPr>
+          <p:cNvPicPr>
+            <a:picLocks noChangeAspect="1"/>
+          </p:cNvPicPr>
+          <p:nvPr/>
+        </p:nvPicPr>
+        <p:blipFill>
+          <a:blip r:embed="rId2">
+            <a:extLst>
+              <a:ext uri="{28A0092B-C50C-407E-A947-70E740481C1C}">
+                <a14:useLocalDpi xmlns:a14="http://schemas.microsoft.com/office/drawing/2010/main" val="0"/>
+              </a:ext>
+            </a:extLst>
+          </a:blip>
+          <a:stretch>
+            <a:fillRect/>
+          </a:stretch>
+        </p:blipFill>
+        <p:spPr>
+          <a:xfrm>
+            <a:off x="439760" y="1386536"/>
+            <a:ext cx="3980952" cy="3980952"/>
+          </a:xfrm>
+          <a:prstGeom prst="rect">
+            <a:avLst/>
+          </a:prstGeom>
+        </p:spPr>
+      </p:pic>
+      <p:pic>
+        <p:nvPicPr>
+          <p:cNvPr id="5" name="Picture 4" descr="A graph of a number of triangles&#10;&#10;Description automatically generated with medium confidence">
+            <a:extLst>
+              <a:ext uri="{FF2B5EF4-FFF2-40B4-BE49-F238E27FC236}">
+                <a16:creationId xmlns:a16="http://schemas.microsoft.com/office/drawing/2014/main" id="{F36234A4-5B0F-ACFC-6AF4-F1FF67407DB0}"/>
+              </a:ext>
+            </a:extLst>
+          </p:cNvPr>
+          <p:cNvPicPr>
+            <a:picLocks noChangeAspect="1"/>
+          </p:cNvPicPr>
+          <p:nvPr/>
+        </p:nvPicPr>
+        <p:blipFill>
+          <a:blip r:embed="rId3">
+            <a:extLst>
+              <a:ext uri="{28A0092B-C50C-407E-A947-70E740481C1C}">
+                <a14:useLocalDpi xmlns:a14="http://schemas.microsoft.com/office/drawing/2010/main" val="0"/>
+              </a:ext>
+            </a:extLst>
+          </a:blip>
+          <a:stretch>
+            <a:fillRect/>
+          </a:stretch>
+        </p:blipFill>
+        <p:spPr>
+          <a:xfrm>
+            <a:off x="4285972" y="1386009"/>
+            <a:ext cx="3982006" cy="3982006"/>
+          </a:xfrm>
+          <a:prstGeom prst="rect">
+            <a:avLst/>
+          </a:prstGeom>
+        </p:spPr>
+      </p:pic>
+      <p:pic>
+        <p:nvPicPr>
+          <p:cNvPr id="7" name="Picture 6" descr="A diagram of a graph&#10;&#10;Description automatically generated">
+            <a:extLst>
+              <a:ext uri="{FF2B5EF4-FFF2-40B4-BE49-F238E27FC236}">
+                <a16:creationId xmlns:a16="http://schemas.microsoft.com/office/drawing/2014/main" id="{3F0A5AB3-9A4A-523B-9460-EB1215E7F95A}"/>
+              </a:ext>
+            </a:extLst>
+          </p:cNvPr>
+          <p:cNvPicPr>
+            <a:picLocks noChangeAspect="1"/>
+          </p:cNvPicPr>
+          <p:nvPr/>
+        </p:nvPicPr>
+        <p:blipFill>
+          <a:blip r:embed="rId4">
+            <a:extLst>
+              <a:ext uri="{28A0092B-C50C-407E-A947-70E740481C1C}">
+                <a14:useLocalDpi xmlns:a14="http://schemas.microsoft.com/office/drawing/2010/main" val="0"/>
+              </a:ext>
+            </a:extLst>
+          </a:blip>
+          <a:stretch>
+            <a:fillRect/>
+          </a:stretch>
+        </p:blipFill>
+        <p:spPr>
+          <a:xfrm>
+            <a:off x="8036934" y="1386009"/>
+            <a:ext cx="3982006" cy="3982006"/>
+          </a:xfrm>
+          <a:prstGeom prst="rect">
+            <a:avLst/>
+          </a:prstGeom>
+        </p:spPr>
+      </p:pic>
+      <p:sp>
+        <p:nvSpPr>
+          <p:cNvPr id="8" name="TextBox 7">
+            <a:extLst>
+              <a:ext uri="{FF2B5EF4-FFF2-40B4-BE49-F238E27FC236}">
+                <a16:creationId xmlns:a16="http://schemas.microsoft.com/office/drawing/2014/main" id="{58079B0F-73E1-E164-E2C4-48157B16EAB3}"/>
+              </a:ext>
+            </a:extLst>
+          </p:cNvPr>
+          <p:cNvSpPr txBox="1"/>
+          <p:nvPr/>
+        </p:nvSpPr>
+        <p:spPr>
+          <a:xfrm>
+            <a:off x="783771" y="940526"/>
+            <a:ext cx="679269" cy="461665"/>
+          </a:xfrm>
+          <a:prstGeom prst="rect">
+            <a:avLst/>
+          </a:prstGeom>
+          <a:noFill/>
+        </p:spPr>
+        <p:txBody>
+          <a:bodyPr wrap="square" rtlCol="0">
+            <a:spAutoFit/>
+          </a:bodyPr>
+          <a:lstStyle/>
+          <a:p>
+            <a:pPr algn="ctr"/>
+            <a:r>
+              <a:rPr lang="en-CA" sz="2400" dirty="0"/>
+              <a:t>(a)</a:t>
+            </a:r>
+          </a:p>
+        </p:txBody>
+      </p:sp>
+      <p:sp>
+        <p:nvSpPr>
+          <p:cNvPr id="9" name="TextBox 8">
+            <a:extLst>
+              <a:ext uri="{FF2B5EF4-FFF2-40B4-BE49-F238E27FC236}">
+                <a16:creationId xmlns:a16="http://schemas.microsoft.com/office/drawing/2014/main" id="{12895961-AF7E-5150-B7F9-1DF8D2B717FE}"/>
+              </a:ext>
+            </a:extLst>
+          </p:cNvPr>
+          <p:cNvSpPr txBox="1"/>
+          <p:nvPr/>
+        </p:nvSpPr>
+        <p:spPr>
+          <a:xfrm>
+            <a:off x="4874367" y="940526"/>
+            <a:ext cx="679269" cy="461665"/>
+          </a:xfrm>
+          <a:prstGeom prst="rect">
+            <a:avLst/>
+          </a:prstGeom>
+          <a:noFill/>
+        </p:spPr>
+        <p:txBody>
+          <a:bodyPr wrap="square" rtlCol="0">
+            <a:spAutoFit/>
+          </a:bodyPr>
+          <a:lstStyle/>
+          <a:p>
+            <a:pPr algn="ctr"/>
+            <a:r>
+              <a:rPr lang="en-CA" sz="2400" dirty="0"/>
+              <a:t>(b)</a:t>
+            </a:r>
+          </a:p>
+        </p:txBody>
+      </p:sp>
+      <p:sp>
+        <p:nvSpPr>
+          <p:cNvPr id="10" name="TextBox 9">
+            <a:extLst>
+              <a:ext uri="{FF2B5EF4-FFF2-40B4-BE49-F238E27FC236}">
+                <a16:creationId xmlns:a16="http://schemas.microsoft.com/office/drawing/2014/main" id="{F27F422F-FA60-7709-227E-417B2F819336}"/>
+              </a:ext>
+            </a:extLst>
+          </p:cNvPr>
+          <p:cNvSpPr txBox="1"/>
+          <p:nvPr/>
+        </p:nvSpPr>
+        <p:spPr>
+          <a:xfrm>
+            <a:off x="8608416" y="940526"/>
+            <a:ext cx="679269" cy="461665"/>
+          </a:xfrm>
+          <a:prstGeom prst="rect">
+            <a:avLst/>
+          </a:prstGeom>
+          <a:noFill/>
+        </p:spPr>
+        <p:txBody>
+          <a:bodyPr wrap="square" rtlCol="0">
+            <a:spAutoFit/>
+          </a:bodyPr>
+          <a:lstStyle/>
+          <a:p>
+            <a:pPr algn="ctr"/>
+            <a:r>
+              <a:rPr lang="en-CA" sz="2400" dirty="0"/>
+              <a:t>(c)</a:t>
+            </a:r>
+          </a:p>
+        </p:txBody>
+      </p:sp>
+    </p:spTree>
+    <p:extLst>
+      <p:ext uri="{BB962C8B-B14F-4D97-AF65-F5344CB8AC3E}">
+        <p14:creationId xmlns:p14="http://schemas.microsoft.com/office/powerpoint/2010/main" val="669196253"/>
       </p:ext>
     </p:extLst>
   </p:cSld>

--- a/images/peng-tourr-diagram.pptx
+++ b/images/peng-tourr-diagram.pptx
@@ -263,7 +263,7 @@
           <a:p>
             <a:fld id="{861DD715-3ECE-4CDC-8907-62AF172FB425}" type="datetimeFigureOut">
               <a:rPr lang="en-CA" smtClean="0"/>
-              <a:t>2024-02-07</a:t>
+              <a:t>2024-02-09</a:t>
             </a:fld>
             <a:endParaRPr lang="en-CA"/>
           </a:p>
@@ -463,7 +463,7 @@
           <a:p>
             <a:fld id="{861DD715-3ECE-4CDC-8907-62AF172FB425}" type="datetimeFigureOut">
               <a:rPr lang="en-CA" smtClean="0"/>
-              <a:t>2024-02-07</a:t>
+              <a:t>2024-02-09</a:t>
             </a:fld>
             <a:endParaRPr lang="en-CA"/>
           </a:p>
@@ -673,7 +673,7 @@
           <a:p>
             <a:fld id="{861DD715-3ECE-4CDC-8907-62AF172FB425}" type="datetimeFigureOut">
               <a:rPr lang="en-CA" smtClean="0"/>
-              <a:t>2024-02-07</a:t>
+              <a:t>2024-02-09</a:t>
             </a:fld>
             <a:endParaRPr lang="en-CA"/>
           </a:p>
@@ -873,7 +873,7 @@
           <a:p>
             <a:fld id="{861DD715-3ECE-4CDC-8907-62AF172FB425}" type="datetimeFigureOut">
               <a:rPr lang="en-CA" smtClean="0"/>
-              <a:t>2024-02-07</a:t>
+              <a:t>2024-02-09</a:t>
             </a:fld>
             <a:endParaRPr lang="en-CA"/>
           </a:p>
@@ -1149,7 +1149,7 @@
           <a:p>
             <a:fld id="{861DD715-3ECE-4CDC-8907-62AF172FB425}" type="datetimeFigureOut">
               <a:rPr lang="en-CA" smtClean="0"/>
-              <a:t>2024-02-07</a:t>
+              <a:t>2024-02-09</a:t>
             </a:fld>
             <a:endParaRPr lang="en-CA"/>
           </a:p>
@@ -1417,7 +1417,7 @@
           <a:p>
             <a:fld id="{861DD715-3ECE-4CDC-8907-62AF172FB425}" type="datetimeFigureOut">
               <a:rPr lang="en-CA" smtClean="0"/>
-              <a:t>2024-02-07</a:t>
+              <a:t>2024-02-09</a:t>
             </a:fld>
             <a:endParaRPr lang="en-CA"/>
           </a:p>
@@ -1832,7 +1832,7 @@
           <a:p>
             <a:fld id="{861DD715-3ECE-4CDC-8907-62AF172FB425}" type="datetimeFigureOut">
               <a:rPr lang="en-CA" smtClean="0"/>
-              <a:t>2024-02-07</a:t>
+              <a:t>2024-02-09</a:t>
             </a:fld>
             <a:endParaRPr lang="en-CA"/>
           </a:p>
@@ -1974,7 +1974,7 @@
           <a:p>
             <a:fld id="{861DD715-3ECE-4CDC-8907-62AF172FB425}" type="datetimeFigureOut">
               <a:rPr lang="en-CA" smtClean="0"/>
-              <a:t>2024-02-07</a:t>
+              <a:t>2024-02-09</a:t>
             </a:fld>
             <a:endParaRPr lang="en-CA"/>
           </a:p>
@@ -2087,7 +2087,7 @@
           <a:p>
             <a:fld id="{861DD715-3ECE-4CDC-8907-62AF172FB425}" type="datetimeFigureOut">
               <a:rPr lang="en-CA" smtClean="0"/>
-              <a:t>2024-02-07</a:t>
+              <a:t>2024-02-09</a:t>
             </a:fld>
             <a:endParaRPr lang="en-CA"/>
           </a:p>
@@ -2400,7 +2400,7 @@
           <a:p>
             <a:fld id="{861DD715-3ECE-4CDC-8907-62AF172FB425}" type="datetimeFigureOut">
               <a:rPr lang="en-CA" smtClean="0"/>
-              <a:t>2024-02-07</a:t>
+              <a:t>2024-02-09</a:t>
             </a:fld>
             <a:endParaRPr lang="en-CA"/>
           </a:p>
@@ -2689,7 +2689,7 @@
           <a:p>
             <a:fld id="{861DD715-3ECE-4CDC-8907-62AF172FB425}" type="datetimeFigureOut">
               <a:rPr lang="en-CA" smtClean="0"/>
-              <a:t>2024-02-07</a:t>
+              <a:t>2024-02-09</a:t>
             </a:fld>
             <a:endParaRPr lang="en-CA"/>
           </a:p>
@@ -2932,7 +2932,7 @@
           <a:p>
             <a:fld id="{861DD715-3ECE-4CDC-8907-62AF172FB425}" type="datetimeFigureOut">
               <a:rPr lang="en-CA" smtClean="0"/>
-              <a:t>2024-02-07</a:t>
+              <a:t>2024-02-09</a:t>
             </a:fld>
             <a:endParaRPr lang="en-CA"/>
           </a:p>
@@ -4668,10 +4668,10 @@
       </p:grpSpPr>
       <p:pic>
         <p:nvPicPr>
-          <p:cNvPr id="3" name="Picture 2" descr="A diagram of a cube with balls&#10;&#10;Description automatically generated">
-            <a:extLst>
-              <a:ext uri="{FF2B5EF4-FFF2-40B4-BE49-F238E27FC236}">
-                <a16:creationId xmlns:a16="http://schemas.microsoft.com/office/drawing/2014/main" id="{5D76EBC8-8962-6A39-AAE5-B6E833D76D7E}"/>
+          <p:cNvPr id="5" name="Picture 4" descr="A graph of a number of triangles&#10;&#10;Description automatically generated with medium confidence">
+            <a:extLst>
+              <a:ext uri="{FF2B5EF4-FFF2-40B4-BE49-F238E27FC236}">
+                <a16:creationId xmlns:a16="http://schemas.microsoft.com/office/drawing/2014/main" id="{F36234A4-5B0F-ACFC-6AF4-F1FF67407DB0}"/>
               </a:ext>
             </a:extLst>
           </p:cNvPr>
@@ -4682,42 +4682,6 @@
         </p:nvPicPr>
         <p:blipFill>
           <a:blip r:embed="rId2">
-            <a:extLst>
-              <a:ext uri="{28A0092B-C50C-407E-A947-70E740481C1C}">
-                <a14:useLocalDpi xmlns:a14="http://schemas.microsoft.com/office/drawing/2010/main" val="0"/>
-              </a:ext>
-            </a:extLst>
-          </a:blip>
-          <a:stretch>
-            <a:fillRect/>
-          </a:stretch>
-        </p:blipFill>
-        <p:spPr>
-          <a:xfrm>
-            <a:off x="439760" y="1386536"/>
-            <a:ext cx="3980952" cy="3980952"/>
-          </a:xfrm>
-          <a:prstGeom prst="rect">
-            <a:avLst/>
-          </a:prstGeom>
-        </p:spPr>
-      </p:pic>
-      <p:pic>
-        <p:nvPicPr>
-          <p:cNvPr id="5" name="Picture 4" descr="A graph of a number of triangles&#10;&#10;Description automatically generated with medium confidence">
-            <a:extLst>
-              <a:ext uri="{FF2B5EF4-FFF2-40B4-BE49-F238E27FC236}">
-                <a16:creationId xmlns:a16="http://schemas.microsoft.com/office/drawing/2014/main" id="{F36234A4-5B0F-ACFC-6AF4-F1FF67407DB0}"/>
-              </a:ext>
-            </a:extLst>
-          </p:cNvPr>
-          <p:cNvPicPr>
-            <a:picLocks noChangeAspect="1"/>
-          </p:cNvPicPr>
-          <p:nvPr/>
-        </p:nvPicPr>
-        <p:blipFill>
-          <a:blip r:embed="rId3">
             <a:extLst>
               <a:ext uri="{28A0092B-C50C-407E-A947-70E740481C1C}">
                 <a14:useLocalDpi xmlns:a14="http://schemas.microsoft.com/office/drawing/2010/main" val="0"/>
@@ -4753,7 +4717,7 @@
           <p:nvPr/>
         </p:nvPicPr>
         <p:blipFill>
-          <a:blip r:embed="rId4">
+          <a:blip r:embed="rId3">
             <a:extLst>
               <a:ext uri="{28A0092B-C50C-407E-A947-70E740481C1C}">
                 <a14:useLocalDpi xmlns:a14="http://schemas.microsoft.com/office/drawing/2010/main" val="0"/>
@@ -4882,6 +4846,42 @@
           </a:p>
         </p:txBody>
       </p:sp>
+      <p:pic>
+        <p:nvPicPr>
+          <p:cNvPr id="4" name="Picture 3" descr="A diagram of a cube with different colored squares&#10;&#10;Description automatically generated">
+            <a:extLst>
+              <a:ext uri="{FF2B5EF4-FFF2-40B4-BE49-F238E27FC236}">
+                <a16:creationId xmlns:a16="http://schemas.microsoft.com/office/drawing/2014/main" id="{D163EF17-C7B9-2539-5B2A-9A972E88A6CE}"/>
+              </a:ext>
+            </a:extLst>
+          </p:cNvPr>
+          <p:cNvPicPr>
+            <a:picLocks noChangeAspect="1"/>
+          </p:cNvPicPr>
+          <p:nvPr/>
+        </p:nvPicPr>
+        <p:blipFill>
+          <a:blip r:embed="rId4">
+            <a:extLst>
+              <a:ext uri="{28A0092B-C50C-407E-A947-70E740481C1C}">
+                <a14:useLocalDpi xmlns:a14="http://schemas.microsoft.com/office/drawing/2010/main" val="0"/>
+              </a:ext>
+            </a:extLst>
+          </a:blip>
+          <a:stretch>
+            <a:fillRect/>
+          </a:stretch>
+        </p:blipFill>
+        <p:spPr>
+          <a:xfrm>
+            <a:off x="438912" y="1389888"/>
+            <a:ext cx="3977640" cy="3977640"/>
+          </a:xfrm>
+          <a:prstGeom prst="rect">
+            <a:avLst/>
+          </a:prstGeom>
+        </p:spPr>
+      </p:pic>
     </p:spTree>
     <p:extLst>
       <p:ext uri="{BB962C8B-B14F-4D97-AF65-F5344CB8AC3E}">

--- a/images/peng-tourr-diagram.pptx
+++ b/images/peng-tourr-diagram.pptx
@@ -263,7 +263,7 @@
           <a:p>
             <a:fld id="{861DD715-3ECE-4CDC-8907-62AF172FB425}" type="datetimeFigureOut">
               <a:rPr lang="en-CA" smtClean="0"/>
-              <a:t>2024-02-09</a:t>
+              <a:t>2024-02-11</a:t>
             </a:fld>
             <a:endParaRPr lang="en-CA"/>
           </a:p>
@@ -463,7 +463,7 @@
           <a:p>
             <a:fld id="{861DD715-3ECE-4CDC-8907-62AF172FB425}" type="datetimeFigureOut">
               <a:rPr lang="en-CA" smtClean="0"/>
-              <a:t>2024-02-09</a:t>
+              <a:t>2024-02-11</a:t>
             </a:fld>
             <a:endParaRPr lang="en-CA"/>
           </a:p>
@@ -673,7 +673,7 @@
           <a:p>
             <a:fld id="{861DD715-3ECE-4CDC-8907-62AF172FB425}" type="datetimeFigureOut">
               <a:rPr lang="en-CA" smtClean="0"/>
-              <a:t>2024-02-09</a:t>
+              <a:t>2024-02-11</a:t>
             </a:fld>
             <a:endParaRPr lang="en-CA"/>
           </a:p>
@@ -873,7 +873,7 @@
           <a:p>
             <a:fld id="{861DD715-3ECE-4CDC-8907-62AF172FB425}" type="datetimeFigureOut">
               <a:rPr lang="en-CA" smtClean="0"/>
-              <a:t>2024-02-09</a:t>
+              <a:t>2024-02-11</a:t>
             </a:fld>
             <a:endParaRPr lang="en-CA"/>
           </a:p>
@@ -1149,7 +1149,7 @@
           <a:p>
             <a:fld id="{861DD715-3ECE-4CDC-8907-62AF172FB425}" type="datetimeFigureOut">
               <a:rPr lang="en-CA" smtClean="0"/>
-              <a:t>2024-02-09</a:t>
+              <a:t>2024-02-11</a:t>
             </a:fld>
             <a:endParaRPr lang="en-CA"/>
           </a:p>
@@ -1417,7 +1417,7 @@
           <a:p>
             <a:fld id="{861DD715-3ECE-4CDC-8907-62AF172FB425}" type="datetimeFigureOut">
               <a:rPr lang="en-CA" smtClean="0"/>
-              <a:t>2024-02-09</a:t>
+              <a:t>2024-02-11</a:t>
             </a:fld>
             <a:endParaRPr lang="en-CA"/>
           </a:p>
@@ -1832,7 +1832,7 @@
           <a:p>
             <a:fld id="{861DD715-3ECE-4CDC-8907-62AF172FB425}" type="datetimeFigureOut">
               <a:rPr lang="en-CA" smtClean="0"/>
-              <a:t>2024-02-09</a:t>
+              <a:t>2024-02-11</a:t>
             </a:fld>
             <a:endParaRPr lang="en-CA"/>
           </a:p>
@@ -1974,7 +1974,7 @@
           <a:p>
             <a:fld id="{861DD715-3ECE-4CDC-8907-62AF172FB425}" type="datetimeFigureOut">
               <a:rPr lang="en-CA" smtClean="0"/>
-              <a:t>2024-02-09</a:t>
+              <a:t>2024-02-11</a:t>
             </a:fld>
             <a:endParaRPr lang="en-CA"/>
           </a:p>
@@ -2087,7 +2087,7 @@
           <a:p>
             <a:fld id="{861DD715-3ECE-4CDC-8907-62AF172FB425}" type="datetimeFigureOut">
               <a:rPr lang="en-CA" smtClean="0"/>
-              <a:t>2024-02-09</a:t>
+              <a:t>2024-02-11</a:t>
             </a:fld>
             <a:endParaRPr lang="en-CA"/>
           </a:p>
@@ -2400,7 +2400,7 @@
           <a:p>
             <a:fld id="{861DD715-3ECE-4CDC-8907-62AF172FB425}" type="datetimeFigureOut">
               <a:rPr lang="en-CA" smtClean="0"/>
-              <a:t>2024-02-09</a:t>
+              <a:t>2024-02-11</a:t>
             </a:fld>
             <a:endParaRPr lang="en-CA"/>
           </a:p>
@@ -2689,7 +2689,7 @@
           <a:p>
             <a:fld id="{861DD715-3ECE-4CDC-8907-62AF172FB425}" type="datetimeFigureOut">
               <a:rPr lang="en-CA" smtClean="0"/>
-              <a:t>2024-02-09</a:t>
+              <a:t>2024-02-11</a:t>
             </a:fld>
             <a:endParaRPr lang="en-CA"/>
           </a:p>
@@ -2932,7 +2932,7 @@
           <a:p>
             <a:fld id="{861DD715-3ECE-4CDC-8907-62AF172FB425}" type="datetimeFigureOut">
               <a:rPr lang="en-CA" smtClean="0"/>
-              <a:t>2024-02-09</a:t>
+              <a:t>2024-02-11</a:t>
             </a:fld>
             <a:endParaRPr lang="en-CA"/>
           </a:p>
@@ -4666,78 +4666,6 @@
           <a:chExt cx="0" cy="0"/>
         </a:xfrm>
       </p:grpSpPr>
-      <p:pic>
-        <p:nvPicPr>
-          <p:cNvPr id="5" name="Picture 4" descr="A graph of a number of triangles&#10;&#10;Description automatically generated with medium confidence">
-            <a:extLst>
-              <a:ext uri="{FF2B5EF4-FFF2-40B4-BE49-F238E27FC236}">
-                <a16:creationId xmlns:a16="http://schemas.microsoft.com/office/drawing/2014/main" id="{F36234A4-5B0F-ACFC-6AF4-F1FF67407DB0}"/>
-              </a:ext>
-            </a:extLst>
-          </p:cNvPr>
-          <p:cNvPicPr>
-            <a:picLocks noChangeAspect="1"/>
-          </p:cNvPicPr>
-          <p:nvPr/>
-        </p:nvPicPr>
-        <p:blipFill>
-          <a:blip r:embed="rId2">
-            <a:extLst>
-              <a:ext uri="{28A0092B-C50C-407E-A947-70E740481C1C}">
-                <a14:useLocalDpi xmlns:a14="http://schemas.microsoft.com/office/drawing/2010/main" val="0"/>
-              </a:ext>
-            </a:extLst>
-          </a:blip>
-          <a:stretch>
-            <a:fillRect/>
-          </a:stretch>
-        </p:blipFill>
-        <p:spPr>
-          <a:xfrm>
-            <a:off x="4285972" y="1386009"/>
-            <a:ext cx="3982006" cy="3982006"/>
-          </a:xfrm>
-          <a:prstGeom prst="rect">
-            <a:avLst/>
-          </a:prstGeom>
-        </p:spPr>
-      </p:pic>
-      <p:pic>
-        <p:nvPicPr>
-          <p:cNvPr id="7" name="Picture 6" descr="A diagram of a graph&#10;&#10;Description automatically generated">
-            <a:extLst>
-              <a:ext uri="{FF2B5EF4-FFF2-40B4-BE49-F238E27FC236}">
-                <a16:creationId xmlns:a16="http://schemas.microsoft.com/office/drawing/2014/main" id="{3F0A5AB3-9A4A-523B-9460-EB1215E7F95A}"/>
-              </a:ext>
-            </a:extLst>
-          </p:cNvPr>
-          <p:cNvPicPr>
-            <a:picLocks noChangeAspect="1"/>
-          </p:cNvPicPr>
-          <p:nvPr/>
-        </p:nvPicPr>
-        <p:blipFill>
-          <a:blip r:embed="rId3">
-            <a:extLst>
-              <a:ext uri="{28A0092B-C50C-407E-A947-70E740481C1C}">
-                <a14:useLocalDpi xmlns:a14="http://schemas.microsoft.com/office/drawing/2010/main" val="0"/>
-              </a:ext>
-            </a:extLst>
-          </a:blip>
-          <a:stretch>
-            <a:fillRect/>
-          </a:stretch>
-        </p:blipFill>
-        <p:spPr>
-          <a:xfrm>
-            <a:off x="8036934" y="1386009"/>
-            <a:ext cx="3982006" cy="3982006"/>
-          </a:xfrm>
-          <a:prstGeom prst="rect">
-            <a:avLst/>
-          </a:prstGeom>
-        </p:spPr>
-      </p:pic>
       <p:sp>
         <p:nvSpPr>
           <p:cNvPr id="8" name="TextBox 7">
@@ -4861,7 +4789,7 @@
           <p:nvPr/>
         </p:nvPicPr>
         <p:blipFill>
-          <a:blip r:embed="rId4">
+          <a:blip r:embed="rId2">
             <a:extLst>
               <a:ext uri="{28A0092B-C50C-407E-A947-70E740481C1C}">
                 <a14:useLocalDpi xmlns:a14="http://schemas.microsoft.com/office/drawing/2010/main" val="0"/>
@@ -4876,6 +4804,78 @@
           <a:xfrm>
             <a:off x="438912" y="1389888"/>
             <a:ext cx="3977640" cy="3977640"/>
+          </a:xfrm>
+          <a:prstGeom prst="rect">
+            <a:avLst/>
+          </a:prstGeom>
+        </p:spPr>
+      </p:pic>
+      <p:pic>
+        <p:nvPicPr>
+          <p:cNvPr id="3" name="Picture 2" descr="A white square with red and green squares and numbers&#10;&#10;Description automatically generated">
+            <a:extLst>
+              <a:ext uri="{FF2B5EF4-FFF2-40B4-BE49-F238E27FC236}">
+                <a16:creationId xmlns:a16="http://schemas.microsoft.com/office/drawing/2014/main" id="{A5840886-DC16-04E0-750B-98A248E958F5}"/>
+              </a:ext>
+            </a:extLst>
+          </p:cNvPr>
+          <p:cNvPicPr>
+            <a:picLocks noChangeAspect="1"/>
+          </p:cNvPicPr>
+          <p:nvPr/>
+        </p:nvPicPr>
+        <p:blipFill>
+          <a:blip r:embed="rId3">
+            <a:extLst>
+              <a:ext uri="{28A0092B-C50C-407E-A947-70E740481C1C}">
+                <a14:useLocalDpi xmlns:a14="http://schemas.microsoft.com/office/drawing/2010/main" val="0"/>
+              </a:ext>
+            </a:extLst>
+          </a:blip>
+          <a:stretch>
+            <a:fillRect/>
+          </a:stretch>
+        </p:blipFill>
+        <p:spPr>
+          <a:xfrm>
+            <a:off x="4104997" y="1437997"/>
+            <a:ext cx="3982006" cy="3982006"/>
+          </a:xfrm>
+          <a:prstGeom prst="rect">
+            <a:avLst/>
+          </a:prstGeom>
+        </p:spPr>
+      </p:pic>
+      <p:pic>
+        <p:nvPicPr>
+          <p:cNvPr id="11" name="Picture 10" descr="A diagram of a graph&#10;&#10;Description automatically generated with medium confidence">
+            <a:extLst>
+              <a:ext uri="{FF2B5EF4-FFF2-40B4-BE49-F238E27FC236}">
+                <a16:creationId xmlns:a16="http://schemas.microsoft.com/office/drawing/2014/main" id="{86DB226E-05DD-C057-3778-3E85EF812CB1}"/>
+              </a:ext>
+            </a:extLst>
+          </p:cNvPr>
+          <p:cNvPicPr>
+            <a:picLocks noChangeAspect="1"/>
+          </p:cNvPicPr>
+          <p:nvPr/>
+        </p:nvPicPr>
+        <p:blipFill>
+          <a:blip r:embed="rId4">
+            <a:extLst>
+              <a:ext uri="{28A0092B-C50C-407E-A947-70E740481C1C}">
+                <a14:useLocalDpi xmlns:a14="http://schemas.microsoft.com/office/drawing/2010/main" val="0"/>
+              </a:ext>
+            </a:extLst>
+          </a:blip>
+          <a:stretch>
+            <a:fillRect/>
+          </a:stretch>
+        </p:blipFill>
+        <p:spPr>
+          <a:xfrm>
+            <a:off x="7886422" y="1437997"/>
+            <a:ext cx="3982006" cy="3982006"/>
           </a:xfrm>
           <a:prstGeom prst="rect">
             <a:avLst/>

--- a/images/peng-tourr-diagram.pptx
+++ b/images/peng-tourr-diagram.pptx
@@ -6,8 +6,6 @@
   </p:sldMasterIdLst>
   <p:sldIdLst>
     <p:sldId id="256" r:id="rId2"/>
-    <p:sldId id="257" r:id="rId3"/>
-    <p:sldId id="258" r:id="rId4"/>
   </p:sldIdLst>
   <p:sldSz cx="12192000" cy="6858000"/>
   <p:notesSz cx="6858000" cy="9144000"/>
@@ -263,7 +261,7 @@
           <a:p>
             <a:fld id="{861DD715-3ECE-4CDC-8907-62AF172FB425}" type="datetimeFigureOut">
               <a:rPr lang="en-CA" smtClean="0"/>
-              <a:t>2024-02-11</a:t>
+              <a:t>2024-02-13</a:t>
             </a:fld>
             <a:endParaRPr lang="en-CA"/>
           </a:p>
@@ -463,7 +461,7 @@
           <a:p>
             <a:fld id="{861DD715-3ECE-4CDC-8907-62AF172FB425}" type="datetimeFigureOut">
               <a:rPr lang="en-CA" smtClean="0"/>
-              <a:t>2024-02-11</a:t>
+              <a:t>2024-02-13</a:t>
             </a:fld>
             <a:endParaRPr lang="en-CA"/>
           </a:p>
@@ -673,7 +671,7 @@
           <a:p>
             <a:fld id="{861DD715-3ECE-4CDC-8907-62AF172FB425}" type="datetimeFigureOut">
               <a:rPr lang="en-CA" smtClean="0"/>
-              <a:t>2024-02-11</a:t>
+              <a:t>2024-02-13</a:t>
             </a:fld>
             <a:endParaRPr lang="en-CA"/>
           </a:p>
@@ -873,7 +871,7 @@
           <a:p>
             <a:fld id="{861DD715-3ECE-4CDC-8907-62AF172FB425}" type="datetimeFigureOut">
               <a:rPr lang="en-CA" smtClean="0"/>
-              <a:t>2024-02-11</a:t>
+              <a:t>2024-02-13</a:t>
             </a:fld>
             <a:endParaRPr lang="en-CA"/>
           </a:p>
@@ -1149,7 +1147,7 @@
           <a:p>
             <a:fld id="{861DD715-3ECE-4CDC-8907-62AF172FB425}" type="datetimeFigureOut">
               <a:rPr lang="en-CA" smtClean="0"/>
-              <a:t>2024-02-11</a:t>
+              <a:t>2024-02-13</a:t>
             </a:fld>
             <a:endParaRPr lang="en-CA"/>
           </a:p>
@@ -1417,7 +1415,7 @@
           <a:p>
             <a:fld id="{861DD715-3ECE-4CDC-8907-62AF172FB425}" type="datetimeFigureOut">
               <a:rPr lang="en-CA" smtClean="0"/>
-              <a:t>2024-02-11</a:t>
+              <a:t>2024-02-13</a:t>
             </a:fld>
             <a:endParaRPr lang="en-CA"/>
           </a:p>
@@ -1832,7 +1830,7 @@
           <a:p>
             <a:fld id="{861DD715-3ECE-4CDC-8907-62AF172FB425}" type="datetimeFigureOut">
               <a:rPr lang="en-CA" smtClean="0"/>
-              <a:t>2024-02-11</a:t>
+              <a:t>2024-02-13</a:t>
             </a:fld>
             <a:endParaRPr lang="en-CA"/>
           </a:p>
@@ -1974,7 +1972,7 @@
           <a:p>
             <a:fld id="{861DD715-3ECE-4CDC-8907-62AF172FB425}" type="datetimeFigureOut">
               <a:rPr lang="en-CA" smtClean="0"/>
-              <a:t>2024-02-11</a:t>
+              <a:t>2024-02-13</a:t>
             </a:fld>
             <a:endParaRPr lang="en-CA"/>
           </a:p>
@@ -2087,7 +2085,7 @@
           <a:p>
             <a:fld id="{861DD715-3ECE-4CDC-8907-62AF172FB425}" type="datetimeFigureOut">
               <a:rPr lang="en-CA" smtClean="0"/>
-              <a:t>2024-02-11</a:t>
+              <a:t>2024-02-13</a:t>
             </a:fld>
             <a:endParaRPr lang="en-CA"/>
           </a:p>
@@ -2400,7 +2398,7 @@
           <a:p>
             <a:fld id="{861DD715-3ECE-4CDC-8907-62AF172FB425}" type="datetimeFigureOut">
               <a:rPr lang="en-CA" smtClean="0"/>
-              <a:t>2024-02-11</a:t>
+              <a:t>2024-02-13</a:t>
             </a:fld>
             <a:endParaRPr lang="en-CA"/>
           </a:p>
@@ -2689,7 +2687,7 @@
           <a:p>
             <a:fld id="{861DD715-3ECE-4CDC-8907-62AF172FB425}" type="datetimeFigureOut">
               <a:rPr lang="en-CA" smtClean="0"/>
-              <a:t>2024-02-11</a:t>
+              <a:t>2024-02-13</a:t>
             </a:fld>
             <a:endParaRPr lang="en-CA"/>
           </a:p>
@@ -2932,7 +2930,7 @@
           <a:p>
             <a:fld id="{861DD715-3ECE-4CDC-8907-62AF172FB425}" type="datetimeFigureOut">
               <a:rPr lang="en-CA" smtClean="0"/>
-              <a:t>2024-02-11</a:t>
+              <a:t>2024-02-13</a:t>
             </a:fld>
             <a:endParaRPr lang="en-CA"/>
           </a:p>
@@ -4152,749 +4150,6 @@
 </p:sld>
 </file>
 
-<file path=ppt/slides/slide2.xml><?xml version="1.0" encoding="utf-8"?>
-<p:sld xmlns:a="http://schemas.openxmlformats.org/drawingml/2006/main" xmlns:r="http://schemas.openxmlformats.org/officeDocument/2006/relationships" xmlns:p="http://schemas.openxmlformats.org/presentationml/2006/main">
-  <p:cSld>
-    <p:spTree>
-      <p:nvGrpSpPr>
-        <p:cNvPr id="1" name=""/>
-        <p:cNvGrpSpPr/>
-        <p:nvPr/>
-      </p:nvGrpSpPr>
-      <p:grpSpPr>
-        <a:xfrm>
-          <a:off x="0" y="0"/>
-          <a:ext cx="0" cy="0"/>
-          <a:chOff x="0" y="0"/>
-          <a:chExt cx="0" cy="0"/>
-        </a:xfrm>
-      </p:grpSpPr>
-      <p:cxnSp>
-        <p:nvCxnSpPr>
-          <p:cNvPr id="3" name="Straight Connector 2">
-            <a:extLst>
-              <a:ext uri="{FF2B5EF4-FFF2-40B4-BE49-F238E27FC236}">
-                <a16:creationId xmlns:a16="http://schemas.microsoft.com/office/drawing/2014/main" id="{803FF454-1705-14F6-F434-CC7E509761AE}"/>
-              </a:ext>
-            </a:extLst>
-          </p:cNvPr>
-          <p:cNvCxnSpPr>
-            <a:cxnSpLocks/>
-          </p:cNvCxnSpPr>
-          <p:nvPr/>
-        </p:nvCxnSpPr>
-        <p:spPr>
-          <a:xfrm>
-            <a:off x="1654629" y="1358537"/>
-            <a:ext cx="0" cy="1893482"/>
-          </a:xfrm>
-          <a:prstGeom prst="line">
-            <a:avLst/>
-          </a:prstGeom>
-        </p:spPr>
-        <p:style>
-          <a:lnRef idx="1">
-            <a:schemeClr val="accent1"/>
-          </a:lnRef>
-          <a:fillRef idx="0">
-            <a:schemeClr val="accent1"/>
-          </a:fillRef>
-          <a:effectRef idx="0">
-            <a:schemeClr val="accent1"/>
-          </a:effectRef>
-          <a:fontRef idx="minor">
-            <a:schemeClr val="tx1"/>
-          </a:fontRef>
-        </p:style>
-      </p:cxnSp>
-      <p:cxnSp>
-        <p:nvCxnSpPr>
-          <p:cNvPr id="5" name="Straight Connector 4">
-            <a:extLst>
-              <a:ext uri="{FF2B5EF4-FFF2-40B4-BE49-F238E27FC236}">
-                <a16:creationId xmlns:a16="http://schemas.microsoft.com/office/drawing/2014/main" id="{6AC9CCC0-B89F-1578-9A9A-392CCC04B539}"/>
-              </a:ext>
-            </a:extLst>
-          </p:cNvPr>
-          <p:cNvCxnSpPr>
-            <a:cxnSpLocks/>
-          </p:cNvCxnSpPr>
-          <p:nvPr/>
-        </p:nvCxnSpPr>
-        <p:spPr>
-          <a:xfrm>
-            <a:off x="1496961" y="3091543"/>
-            <a:ext cx="2558845" cy="0"/>
-          </a:xfrm>
-          <a:prstGeom prst="line">
-            <a:avLst/>
-          </a:prstGeom>
-        </p:spPr>
-        <p:style>
-          <a:lnRef idx="1">
-            <a:schemeClr val="accent1"/>
-          </a:lnRef>
-          <a:fillRef idx="0">
-            <a:schemeClr val="accent1"/>
-          </a:fillRef>
-          <a:effectRef idx="0">
-            <a:schemeClr val="accent1"/>
-          </a:effectRef>
-          <a:fontRef idx="minor">
-            <a:schemeClr val="tx1"/>
-          </a:fontRef>
-        </p:style>
-      </p:cxnSp>
-      <p:cxnSp>
-        <p:nvCxnSpPr>
-          <p:cNvPr id="7" name="Straight Arrow Connector 6">
-            <a:extLst>
-              <a:ext uri="{FF2B5EF4-FFF2-40B4-BE49-F238E27FC236}">
-                <a16:creationId xmlns:a16="http://schemas.microsoft.com/office/drawing/2014/main" id="{0555FB03-7CCE-A88A-5779-F0CFF95BE678}"/>
-              </a:ext>
-            </a:extLst>
-          </p:cNvPr>
-          <p:cNvCxnSpPr>
-            <a:cxnSpLocks/>
-          </p:cNvCxnSpPr>
-          <p:nvPr/>
-        </p:nvCxnSpPr>
-        <p:spPr>
-          <a:xfrm flipV="1">
-            <a:off x="1654629" y="1607574"/>
-            <a:ext cx="1449906" cy="1489587"/>
-          </a:xfrm>
-          <a:prstGeom prst="straightConnector1">
-            <a:avLst/>
-          </a:prstGeom>
-          <a:ln w="31750">
-            <a:solidFill>
-              <a:schemeClr val="tx1"/>
-            </a:solidFill>
-            <a:tailEnd type="stealth" w="lg" len="lg"/>
-          </a:ln>
-        </p:spPr>
-        <p:style>
-          <a:lnRef idx="1">
-            <a:schemeClr val="accent1"/>
-          </a:lnRef>
-          <a:fillRef idx="0">
-            <a:schemeClr val="accent1"/>
-          </a:fillRef>
-          <a:effectRef idx="0">
-            <a:schemeClr val="accent1"/>
-          </a:effectRef>
-          <a:fontRef idx="minor">
-            <a:schemeClr val="tx1"/>
-          </a:fontRef>
-        </p:style>
-      </p:cxnSp>
-      <p:cxnSp>
-        <p:nvCxnSpPr>
-          <p:cNvPr id="10" name="Straight Arrow Connector 9">
-            <a:extLst>
-              <a:ext uri="{FF2B5EF4-FFF2-40B4-BE49-F238E27FC236}">
-                <a16:creationId xmlns:a16="http://schemas.microsoft.com/office/drawing/2014/main" id="{EA0AFAE4-95B7-1200-5387-BD4275563E98}"/>
-              </a:ext>
-            </a:extLst>
-          </p:cNvPr>
-          <p:cNvCxnSpPr/>
-          <p:nvPr/>
-        </p:nvCxnSpPr>
-        <p:spPr>
-          <a:xfrm flipV="1">
-            <a:off x="1654629" y="2381865"/>
-            <a:ext cx="2401177" cy="709678"/>
-          </a:xfrm>
-          <a:prstGeom prst="straightConnector1">
-            <a:avLst/>
-          </a:prstGeom>
-          <a:ln w="15875">
-            <a:solidFill>
-              <a:srgbClr val="C00000"/>
-            </a:solidFill>
-            <a:tailEnd type="none"/>
-          </a:ln>
-        </p:spPr>
-        <p:style>
-          <a:lnRef idx="1">
-            <a:schemeClr val="accent1"/>
-          </a:lnRef>
-          <a:fillRef idx="0">
-            <a:schemeClr val="accent1"/>
-          </a:fillRef>
-          <a:effectRef idx="0">
-            <a:schemeClr val="accent1"/>
-          </a:effectRef>
-          <a:fontRef idx="minor">
-            <a:schemeClr val="tx1"/>
-          </a:fontRef>
-        </p:style>
-      </p:cxnSp>
-      <p:cxnSp>
-        <p:nvCxnSpPr>
-          <p:cNvPr id="12" name="Straight Connector 11">
-            <a:extLst>
-              <a:ext uri="{FF2B5EF4-FFF2-40B4-BE49-F238E27FC236}">
-                <a16:creationId xmlns:a16="http://schemas.microsoft.com/office/drawing/2014/main" id="{B30C8AE1-30B9-B774-C5E2-F9458F83835A}"/>
-              </a:ext>
-            </a:extLst>
-          </p:cNvPr>
-          <p:cNvCxnSpPr/>
-          <p:nvPr/>
-        </p:nvCxnSpPr>
-        <p:spPr>
-          <a:xfrm>
-            <a:off x="3104535" y="1607574"/>
-            <a:ext cx="302342" cy="966020"/>
-          </a:xfrm>
-          <a:prstGeom prst="line">
-            <a:avLst/>
-          </a:prstGeom>
-        </p:spPr>
-        <p:style>
-          <a:lnRef idx="1">
-            <a:schemeClr val="accent1"/>
-          </a:lnRef>
-          <a:fillRef idx="0">
-            <a:schemeClr val="accent1"/>
-          </a:fillRef>
-          <a:effectRef idx="0">
-            <a:schemeClr val="accent1"/>
-          </a:effectRef>
-          <a:fontRef idx="minor">
-            <a:schemeClr val="tx1"/>
-          </a:fontRef>
-        </p:style>
-      </p:cxnSp>
-      <p:cxnSp>
-        <p:nvCxnSpPr>
-          <p:cNvPr id="14" name="Straight Arrow Connector 13">
-            <a:extLst>
-              <a:ext uri="{FF2B5EF4-FFF2-40B4-BE49-F238E27FC236}">
-                <a16:creationId xmlns:a16="http://schemas.microsoft.com/office/drawing/2014/main" id="{3DBCA89F-EAAC-F20D-62F1-49B2F90835C1}"/>
-              </a:ext>
-            </a:extLst>
-          </p:cNvPr>
-          <p:cNvCxnSpPr/>
-          <p:nvPr/>
-        </p:nvCxnSpPr>
-        <p:spPr>
-          <a:xfrm flipV="1">
-            <a:off x="1654629" y="2573594"/>
-            <a:ext cx="1752248" cy="517949"/>
-          </a:xfrm>
-          <a:prstGeom prst="straightConnector1">
-            <a:avLst/>
-          </a:prstGeom>
-          <a:ln w="31750">
-            <a:tailEnd type="stealth" w="lg" len="lg"/>
-          </a:ln>
-        </p:spPr>
-        <p:style>
-          <a:lnRef idx="1">
-            <a:schemeClr val="accent1"/>
-          </a:lnRef>
-          <a:fillRef idx="0">
-            <a:schemeClr val="accent1"/>
-          </a:fillRef>
-          <a:effectRef idx="0">
-            <a:schemeClr val="accent1"/>
-          </a:effectRef>
-          <a:fontRef idx="minor">
-            <a:schemeClr val="tx1"/>
-          </a:fontRef>
-        </p:style>
-      </p:cxnSp>
-      <p:sp>
-        <p:nvSpPr>
-          <p:cNvPr id="19" name="TextBox 18">
-            <a:extLst>
-              <a:ext uri="{FF2B5EF4-FFF2-40B4-BE49-F238E27FC236}">
-                <a16:creationId xmlns:a16="http://schemas.microsoft.com/office/drawing/2014/main" id="{4897E115-799E-9E9F-4156-8351E93D2534}"/>
-              </a:ext>
-            </a:extLst>
-          </p:cNvPr>
-          <p:cNvSpPr txBox="1"/>
-          <p:nvPr/>
-        </p:nvSpPr>
-        <p:spPr>
-          <a:xfrm>
-            <a:off x="2927555" y="1298390"/>
-            <a:ext cx="302342" cy="369332"/>
-          </a:xfrm>
-          <a:prstGeom prst="rect">
-            <a:avLst/>
-          </a:prstGeom>
-          <a:noFill/>
-        </p:spPr>
-        <p:txBody>
-          <a:bodyPr wrap="square" rtlCol="0">
-            <a:spAutoFit/>
-          </a:bodyPr>
-          <a:lstStyle/>
-          <a:p>
-            <a:r>
-              <a:rPr lang="en-CA" b="1" i="1" dirty="0">
-                <a:latin typeface="Times New Roman" panose="02020603050405020304" pitchFamily="18" charset="0"/>
-                <a:cs typeface="Times New Roman" panose="02020603050405020304" pitchFamily="18" charset="0"/>
-              </a:rPr>
-              <a:t>x</a:t>
-            </a:r>
-          </a:p>
-        </p:txBody>
-      </p:sp>
-      <p:sp>
-        <p:nvSpPr>
-          <p:cNvPr id="20" name="TextBox 19">
-            <a:extLst>
-              <a:ext uri="{FF2B5EF4-FFF2-40B4-BE49-F238E27FC236}">
-                <a16:creationId xmlns:a16="http://schemas.microsoft.com/office/drawing/2014/main" id="{5F27BE74-67E8-EFA5-AB32-7FB339E6A6E5}"/>
-              </a:ext>
-            </a:extLst>
-          </p:cNvPr>
-          <p:cNvSpPr txBox="1"/>
-          <p:nvPr/>
-        </p:nvSpPr>
-        <p:spPr>
-          <a:xfrm>
-            <a:off x="4004186" y="2144803"/>
-            <a:ext cx="376084" cy="369332"/>
-          </a:xfrm>
-          <a:prstGeom prst="rect">
-            <a:avLst/>
-          </a:prstGeom>
-          <a:noFill/>
-        </p:spPr>
-        <p:txBody>
-          <a:bodyPr wrap="square" rtlCol="0">
-            <a:spAutoFit/>
-          </a:bodyPr>
-          <a:lstStyle/>
-          <a:p>
-            <a:pPr algn="ctr"/>
-            <a:r>
-              <a:rPr lang="en-CA" b="1" i="1" dirty="0">
-                <a:latin typeface="Times New Roman" panose="02020603050405020304" pitchFamily="18" charset="0"/>
-                <a:cs typeface="Times New Roman" panose="02020603050405020304" pitchFamily="18" charset="0"/>
-              </a:rPr>
-              <a:t>p</a:t>
-            </a:r>
-          </a:p>
-        </p:txBody>
-      </p:sp>
-      <p:sp>
-        <p:nvSpPr>
-          <p:cNvPr id="21" name="TextBox 20">
-            <a:extLst>
-              <a:ext uri="{FF2B5EF4-FFF2-40B4-BE49-F238E27FC236}">
-                <a16:creationId xmlns:a16="http://schemas.microsoft.com/office/drawing/2014/main" id="{8A22FFB6-045C-E19C-4628-355DBDC69359}"/>
-              </a:ext>
-            </a:extLst>
-          </p:cNvPr>
-          <p:cNvSpPr txBox="1"/>
-          <p:nvPr/>
-        </p:nvSpPr>
-        <p:spPr>
-          <a:xfrm rot="20640000">
-            <a:off x="2828992" y="2652346"/>
-            <a:ext cx="604685" cy="369332"/>
-          </a:xfrm>
-          <a:prstGeom prst="rect">
-            <a:avLst/>
-          </a:prstGeom>
-          <a:noFill/>
-        </p:spPr>
-        <p:txBody>
-          <a:bodyPr wrap="square" rtlCol="0">
-            <a:spAutoFit/>
-          </a:bodyPr>
-          <a:lstStyle/>
-          <a:p>
-            <a:r>
-              <a:rPr lang="en-CA" b="1" i="1" dirty="0">
-                <a:solidFill>
-                  <a:srgbClr val="0070C0"/>
-                </a:solidFill>
-                <a:latin typeface="Times New Roman" panose="02020603050405020304" pitchFamily="18" charset="0"/>
-                <a:cs typeface="Times New Roman" panose="02020603050405020304" pitchFamily="18" charset="0"/>
-              </a:rPr>
-              <a:t>x</a:t>
-            </a:r>
-            <a:r>
-              <a:rPr lang="en-CA" b="1" i="1" baseline="30000" dirty="0">
-                <a:solidFill>
-                  <a:srgbClr val="0070C0"/>
-                </a:solidFill>
-                <a:latin typeface="Times New Roman" panose="02020603050405020304" pitchFamily="18" charset="0"/>
-                <a:cs typeface="Times New Roman" panose="02020603050405020304" pitchFamily="18" charset="0"/>
-              </a:rPr>
-              <a:t>T</a:t>
-            </a:r>
-            <a:r>
-              <a:rPr lang="en-CA" b="1" i="1" dirty="0">
-                <a:solidFill>
-                  <a:srgbClr val="0070C0"/>
-                </a:solidFill>
-                <a:latin typeface="Times New Roman" panose="02020603050405020304" pitchFamily="18" charset="0"/>
-                <a:cs typeface="Times New Roman" panose="02020603050405020304" pitchFamily="18" charset="0"/>
-              </a:rPr>
-              <a:t>p</a:t>
-            </a:r>
-          </a:p>
-        </p:txBody>
-      </p:sp>
-      <p:sp>
-        <p:nvSpPr>
-          <p:cNvPr id="23" name="TextBox 22">
-            <a:extLst>
-              <a:ext uri="{FF2B5EF4-FFF2-40B4-BE49-F238E27FC236}">
-                <a16:creationId xmlns:a16="http://schemas.microsoft.com/office/drawing/2014/main" id="{6F504290-A04E-3B25-84CE-881F0B8C4097}"/>
-              </a:ext>
-            </a:extLst>
-          </p:cNvPr>
-          <p:cNvSpPr txBox="1"/>
-          <p:nvPr/>
-        </p:nvSpPr>
-        <p:spPr>
-          <a:xfrm>
-            <a:off x="3959938" y="2882687"/>
-            <a:ext cx="457199" cy="369332"/>
-          </a:xfrm>
-          <a:prstGeom prst="rect">
-            <a:avLst/>
-          </a:prstGeom>
-          <a:noFill/>
-        </p:spPr>
-        <p:txBody>
-          <a:bodyPr wrap="square" rtlCol="0">
-            <a:spAutoFit/>
-          </a:bodyPr>
-          <a:lstStyle/>
-          <a:p>
-            <a:pPr algn="ctr"/>
-            <a:r>
-              <a:rPr lang="en-CA" i="1" dirty="0">
-                <a:latin typeface="Times New Roman" panose="02020603050405020304" pitchFamily="18" charset="0"/>
-                <a:cs typeface="Times New Roman" panose="02020603050405020304" pitchFamily="18" charset="0"/>
-              </a:rPr>
-              <a:t>x</a:t>
-            </a:r>
-            <a:r>
-              <a:rPr lang="en-CA" baseline="-25000" dirty="0">
-                <a:latin typeface="Times New Roman" panose="02020603050405020304" pitchFamily="18" charset="0"/>
-                <a:cs typeface="Times New Roman" panose="02020603050405020304" pitchFamily="18" charset="0"/>
-              </a:rPr>
-              <a:t>1</a:t>
-            </a:r>
-          </a:p>
-        </p:txBody>
-      </p:sp>
-      <p:sp>
-        <p:nvSpPr>
-          <p:cNvPr id="24" name="TextBox 23">
-            <a:extLst>
-              <a:ext uri="{FF2B5EF4-FFF2-40B4-BE49-F238E27FC236}">
-                <a16:creationId xmlns:a16="http://schemas.microsoft.com/office/drawing/2014/main" id="{564FC175-25DE-B07E-BB22-6534EABBD1E5}"/>
-              </a:ext>
-            </a:extLst>
-          </p:cNvPr>
-          <p:cNvSpPr txBox="1"/>
-          <p:nvPr/>
-        </p:nvSpPr>
-        <p:spPr>
-          <a:xfrm>
-            <a:off x="1426029" y="1018586"/>
-            <a:ext cx="457199" cy="369332"/>
-          </a:xfrm>
-          <a:prstGeom prst="rect">
-            <a:avLst/>
-          </a:prstGeom>
-          <a:noFill/>
-        </p:spPr>
-        <p:txBody>
-          <a:bodyPr wrap="square" rtlCol="0">
-            <a:spAutoFit/>
-          </a:bodyPr>
-          <a:lstStyle/>
-          <a:p>
-            <a:pPr algn="ctr"/>
-            <a:r>
-              <a:rPr lang="en-CA" i="1" dirty="0">
-                <a:latin typeface="Times New Roman" panose="02020603050405020304" pitchFamily="18" charset="0"/>
-                <a:cs typeface="Times New Roman" panose="02020603050405020304" pitchFamily="18" charset="0"/>
-              </a:rPr>
-              <a:t>x</a:t>
-            </a:r>
-            <a:r>
-              <a:rPr lang="en-CA" baseline="-25000" dirty="0">
-                <a:latin typeface="Times New Roman" panose="02020603050405020304" pitchFamily="18" charset="0"/>
-                <a:cs typeface="Times New Roman" panose="02020603050405020304" pitchFamily="18" charset="0"/>
-              </a:rPr>
-              <a:t>2</a:t>
-            </a:r>
-          </a:p>
-        </p:txBody>
-      </p:sp>
-    </p:spTree>
-    <p:extLst>
-      <p:ext uri="{BB962C8B-B14F-4D97-AF65-F5344CB8AC3E}">
-        <p14:creationId xmlns:p14="http://schemas.microsoft.com/office/powerpoint/2010/main" val="2335369714"/>
-      </p:ext>
-    </p:extLst>
-  </p:cSld>
-  <p:clrMapOvr>
-    <a:masterClrMapping/>
-  </p:clrMapOvr>
-</p:sld>
-</file>
-
-<file path=ppt/slides/slide3.xml><?xml version="1.0" encoding="utf-8"?>
-<p:sld xmlns:a="http://schemas.openxmlformats.org/drawingml/2006/main" xmlns:r="http://schemas.openxmlformats.org/officeDocument/2006/relationships" xmlns:p="http://schemas.openxmlformats.org/presentationml/2006/main">
-  <p:cSld>
-    <p:spTree>
-      <p:nvGrpSpPr>
-        <p:cNvPr id="1" name=""/>
-        <p:cNvGrpSpPr/>
-        <p:nvPr/>
-      </p:nvGrpSpPr>
-      <p:grpSpPr>
-        <a:xfrm>
-          <a:off x="0" y="0"/>
-          <a:ext cx="0" cy="0"/>
-          <a:chOff x="0" y="0"/>
-          <a:chExt cx="0" cy="0"/>
-        </a:xfrm>
-      </p:grpSpPr>
-      <p:sp>
-        <p:nvSpPr>
-          <p:cNvPr id="8" name="TextBox 7">
-            <a:extLst>
-              <a:ext uri="{FF2B5EF4-FFF2-40B4-BE49-F238E27FC236}">
-                <a16:creationId xmlns:a16="http://schemas.microsoft.com/office/drawing/2014/main" id="{58079B0F-73E1-E164-E2C4-48157B16EAB3}"/>
-              </a:ext>
-            </a:extLst>
-          </p:cNvPr>
-          <p:cNvSpPr txBox="1"/>
-          <p:nvPr/>
-        </p:nvSpPr>
-        <p:spPr>
-          <a:xfrm>
-            <a:off x="783771" y="940526"/>
-            <a:ext cx="679269" cy="461665"/>
-          </a:xfrm>
-          <a:prstGeom prst="rect">
-            <a:avLst/>
-          </a:prstGeom>
-          <a:noFill/>
-        </p:spPr>
-        <p:txBody>
-          <a:bodyPr wrap="square" rtlCol="0">
-            <a:spAutoFit/>
-          </a:bodyPr>
-          <a:lstStyle/>
-          <a:p>
-            <a:pPr algn="ctr"/>
-            <a:r>
-              <a:rPr lang="en-CA" sz="2400" dirty="0"/>
-              <a:t>(a)</a:t>
-            </a:r>
-          </a:p>
-        </p:txBody>
-      </p:sp>
-      <p:sp>
-        <p:nvSpPr>
-          <p:cNvPr id="9" name="TextBox 8">
-            <a:extLst>
-              <a:ext uri="{FF2B5EF4-FFF2-40B4-BE49-F238E27FC236}">
-                <a16:creationId xmlns:a16="http://schemas.microsoft.com/office/drawing/2014/main" id="{12895961-AF7E-5150-B7F9-1DF8D2B717FE}"/>
-              </a:ext>
-            </a:extLst>
-          </p:cNvPr>
-          <p:cNvSpPr txBox="1"/>
-          <p:nvPr/>
-        </p:nvSpPr>
-        <p:spPr>
-          <a:xfrm>
-            <a:off x="4874367" y="940526"/>
-            <a:ext cx="679269" cy="461665"/>
-          </a:xfrm>
-          <a:prstGeom prst="rect">
-            <a:avLst/>
-          </a:prstGeom>
-          <a:noFill/>
-        </p:spPr>
-        <p:txBody>
-          <a:bodyPr wrap="square" rtlCol="0">
-            <a:spAutoFit/>
-          </a:bodyPr>
-          <a:lstStyle/>
-          <a:p>
-            <a:pPr algn="ctr"/>
-            <a:r>
-              <a:rPr lang="en-CA" sz="2400" dirty="0"/>
-              <a:t>(b)</a:t>
-            </a:r>
-          </a:p>
-        </p:txBody>
-      </p:sp>
-      <p:sp>
-        <p:nvSpPr>
-          <p:cNvPr id="10" name="TextBox 9">
-            <a:extLst>
-              <a:ext uri="{FF2B5EF4-FFF2-40B4-BE49-F238E27FC236}">
-                <a16:creationId xmlns:a16="http://schemas.microsoft.com/office/drawing/2014/main" id="{F27F422F-FA60-7709-227E-417B2F819336}"/>
-              </a:ext>
-            </a:extLst>
-          </p:cNvPr>
-          <p:cNvSpPr txBox="1"/>
-          <p:nvPr/>
-        </p:nvSpPr>
-        <p:spPr>
-          <a:xfrm>
-            <a:off x="8608416" y="940526"/>
-            <a:ext cx="679269" cy="461665"/>
-          </a:xfrm>
-          <a:prstGeom prst="rect">
-            <a:avLst/>
-          </a:prstGeom>
-          <a:noFill/>
-        </p:spPr>
-        <p:txBody>
-          <a:bodyPr wrap="square" rtlCol="0">
-            <a:spAutoFit/>
-          </a:bodyPr>
-          <a:lstStyle/>
-          <a:p>
-            <a:pPr algn="ctr"/>
-            <a:r>
-              <a:rPr lang="en-CA" sz="2400" dirty="0"/>
-              <a:t>(c)</a:t>
-            </a:r>
-          </a:p>
-        </p:txBody>
-      </p:sp>
-      <p:pic>
-        <p:nvPicPr>
-          <p:cNvPr id="4" name="Picture 3" descr="A diagram of a cube with different colored squares&#10;&#10;Description automatically generated">
-            <a:extLst>
-              <a:ext uri="{FF2B5EF4-FFF2-40B4-BE49-F238E27FC236}">
-                <a16:creationId xmlns:a16="http://schemas.microsoft.com/office/drawing/2014/main" id="{D163EF17-C7B9-2539-5B2A-9A972E88A6CE}"/>
-              </a:ext>
-            </a:extLst>
-          </p:cNvPr>
-          <p:cNvPicPr>
-            <a:picLocks noChangeAspect="1"/>
-          </p:cNvPicPr>
-          <p:nvPr/>
-        </p:nvPicPr>
-        <p:blipFill>
-          <a:blip r:embed="rId2">
-            <a:extLst>
-              <a:ext uri="{28A0092B-C50C-407E-A947-70E740481C1C}">
-                <a14:useLocalDpi xmlns:a14="http://schemas.microsoft.com/office/drawing/2010/main" val="0"/>
-              </a:ext>
-            </a:extLst>
-          </a:blip>
-          <a:stretch>
-            <a:fillRect/>
-          </a:stretch>
-        </p:blipFill>
-        <p:spPr>
-          <a:xfrm>
-            <a:off x="438912" y="1389888"/>
-            <a:ext cx="3977640" cy="3977640"/>
-          </a:xfrm>
-          <a:prstGeom prst="rect">
-            <a:avLst/>
-          </a:prstGeom>
-        </p:spPr>
-      </p:pic>
-      <p:pic>
-        <p:nvPicPr>
-          <p:cNvPr id="3" name="Picture 2" descr="A white square with red and green squares and numbers&#10;&#10;Description automatically generated">
-            <a:extLst>
-              <a:ext uri="{FF2B5EF4-FFF2-40B4-BE49-F238E27FC236}">
-                <a16:creationId xmlns:a16="http://schemas.microsoft.com/office/drawing/2014/main" id="{A5840886-DC16-04E0-750B-98A248E958F5}"/>
-              </a:ext>
-            </a:extLst>
-          </p:cNvPr>
-          <p:cNvPicPr>
-            <a:picLocks noChangeAspect="1"/>
-          </p:cNvPicPr>
-          <p:nvPr/>
-        </p:nvPicPr>
-        <p:blipFill>
-          <a:blip r:embed="rId3">
-            <a:extLst>
-              <a:ext uri="{28A0092B-C50C-407E-A947-70E740481C1C}">
-                <a14:useLocalDpi xmlns:a14="http://schemas.microsoft.com/office/drawing/2010/main" val="0"/>
-              </a:ext>
-            </a:extLst>
-          </a:blip>
-          <a:stretch>
-            <a:fillRect/>
-          </a:stretch>
-        </p:blipFill>
-        <p:spPr>
-          <a:xfrm>
-            <a:off x="4104997" y="1437997"/>
-            <a:ext cx="3982006" cy="3982006"/>
-          </a:xfrm>
-          <a:prstGeom prst="rect">
-            <a:avLst/>
-          </a:prstGeom>
-        </p:spPr>
-      </p:pic>
-      <p:pic>
-        <p:nvPicPr>
-          <p:cNvPr id="11" name="Picture 10" descr="A diagram of a graph&#10;&#10;Description automatically generated with medium confidence">
-            <a:extLst>
-              <a:ext uri="{FF2B5EF4-FFF2-40B4-BE49-F238E27FC236}">
-                <a16:creationId xmlns:a16="http://schemas.microsoft.com/office/drawing/2014/main" id="{86DB226E-05DD-C057-3778-3E85EF812CB1}"/>
-              </a:ext>
-            </a:extLst>
-          </p:cNvPr>
-          <p:cNvPicPr>
-            <a:picLocks noChangeAspect="1"/>
-          </p:cNvPicPr>
-          <p:nvPr/>
-        </p:nvPicPr>
-        <p:blipFill>
-          <a:blip r:embed="rId4">
-            <a:extLst>
-              <a:ext uri="{28A0092B-C50C-407E-A947-70E740481C1C}">
-                <a14:useLocalDpi xmlns:a14="http://schemas.microsoft.com/office/drawing/2010/main" val="0"/>
-              </a:ext>
-            </a:extLst>
-          </a:blip>
-          <a:stretch>
-            <a:fillRect/>
-          </a:stretch>
-        </p:blipFill>
-        <p:spPr>
-          <a:xfrm>
-            <a:off x="7886422" y="1437997"/>
-            <a:ext cx="3982006" cy="3982006"/>
-          </a:xfrm>
-          <a:prstGeom prst="rect">
-            <a:avLst/>
-          </a:prstGeom>
-        </p:spPr>
-      </p:pic>
-    </p:spTree>
-    <p:extLst>
-      <p:ext uri="{BB962C8B-B14F-4D97-AF65-F5344CB8AC3E}">
-        <p14:creationId xmlns:p14="http://schemas.microsoft.com/office/powerpoint/2010/main" val="669196253"/>
-      </p:ext>
-    </p:extLst>
-  </p:cSld>
-  <p:clrMapOvr>
-    <a:masterClrMapping/>
-  </p:clrMapOvr>
-</p:sld>
-</file>
-
 <file path=ppt/theme/theme1.xml><?xml version="1.0" encoding="utf-8"?>
 <a:theme xmlns:a="http://schemas.openxmlformats.org/drawingml/2006/main" name="Office Theme">
   <a:themeElements>
